--- a/Documentation/assassinsGuildPresentation.pptx
+++ b/Documentation/assassinsGuildPresentation.pptx
@@ -106,6 +106,11 @@
       </a:defRPr>
     </a:lvl9pPr>
   </p:defaultTextStyle>
+  <p:extLst>
+    <p:ext uri="{EFAFB233-063F-42B5-8137-9DF3F51BA10A}">
+      <p15:sldGuideLst xmlns:p15="http://schemas.microsoft.com/office/powerpoint/2012/main"/>
+    </p:ext>
+  </p:extLst>
 </p:presentation>
 </file>
 
@@ -6100,7 +6105,11 @@
           <a:bodyPr/>
           <a:lstStyle/>
           <a:p>
-            <a:endParaRPr lang="en-GB"/>
+            <a:r>
+              <a:rPr lang="en-GB" dirty="0" smtClean="0"/>
+              <a:t>Welcome to The Guild of Assassins</a:t>
+            </a:r>
+            <a:endParaRPr lang="en-GB" dirty="0"/>
           </a:p>
         </p:txBody>
       </p:sp>
@@ -6119,7 +6128,19 @@
           <a:bodyPr/>
           <a:lstStyle/>
           <a:p>
-            <a:endParaRPr lang="en-GB"/>
+            <a:r>
+              <a:rPr lang="en-GB" dirty="0" smtClean="0"/>
+              <a:t>An application utilising </a:t>
+            </a:r>
+            <a:r>
+              <a:rPr lang="en-GB" dirty="0" err="1" smtClean="0"/>
+              <a:t>microservices</a:t>
+            </a:r>
+            <a:r>
+              <a:rPr lang="en-GB" dirty="0" smtClean="0"/>
+              <a:t>, version control, and continuous deployment</a:t>
+            </a:r>
+            <a:endParaRPr lang="en-GB" dirty="0"/>
           </a:p>
         </p:txBody>
       </p:sp>

--- a/Documentation/assassinsGuildPresentation.pptx
+++ b/Documentation/assassinsGuildPresentation.pptx
@@ -6,8 +6,9 @@
   </p:sldMasterIdLst>
   <p:sldIdLst>
     <p:sldId id="256" r:id="rId2"/>
-    <p:sldId id="258" r:id="rId3"/>
-    <p:sldId id="259" r:id="rId4"/>
+    <p:sldId id="260" r:id="rId3"/>
+    <p:sldId id="261" r:id="rId4"/>
+    <p:sldId id="259" r:id="rId5"/>
   </p:sldIdLst>
   <p:sldSz cx="12192000" cy="6858000"/>
   <p:notesSz cx="6858000" cy="9144000"/>
@@ -6189,7 +6190,11 @@
           <a:bodyPr/>
           <a:lstStyle/>
           <a:p>
-            <a:endParaRPr lang="en-GB"/>
+            <a:r>
+              <a:rPr lang="en-GB" dirty="0" smtClean="0"/>
+              <a:t>Contents</a:t>
+            </a:r>
+            <a:endParaRPr lang="en-GB" dirty="0"/>
           </a:p>
         </p:txBody>
       </p:sp>
@@ -6203,19 +6208,83 @@
             <p:ph idx="1"/>
           </p:nvPr>
         </p:nvSpPr>
-        <p:spPr/>
-        <p:txBody>
-          <a:bodyPr/>
+        <p:spPr>
+          <a:xfrm>
+            <a:off x="1103312" y="1581150"/>
+            <a:ext cx="8946541" cy="4667249"/>
+          </a:xfrm>
+        </p:spPr>
+        <p:txBody>
+          <a:bodyPr>
+            <a:normAutofit/>
+          </a:bodyPr>
           <a:lstStyle/>
           <a:p>
-            <a:endParaRPr lang="en-GB"/>
+            <a:r>
+              <a:rPr lang="en-GB" sz="2400" dirty="0"/>
+              <a:t>Introduction</a:t>
+            </a:r>
+          </a:p>
+          <a:p>
+            <a:r>
+              <a:rPr lang="en-GB" sz="2400" dirty="0"/>
+              <a:t>Planning</a:t>
+            </a:r>
+          </a:p>
+          <a:p>
+            <a:pPr lvl="1"/>
+            <a:r>
+              <a:rPr lang="en-GB" sz="2000" dirty="0"/>
+              <a:t>Trello board</a:t>
+            </a:r>
+          </a:p>
+          <a:p>
+            <a:r>
+              <a:rPr lang="en-GB" sz="2400" dirty="0"/>
+              <a:t>Risks faced</a:t>
+            </a:r>
+          </a:p>
+          <a:p>
+            <a:pPr lvl="1"/>
+            <a:r>
+              <a:rPr lang="en-GB" sz="2000" dirty="0"/>
+              <a:t>Mitigation measures</a:t>
+            </a:r>
+          </a:p>
+          <a:p>
+            <a:r>
+              <a:rPr lang="en-GB" sz="2400" dirty="0"/>
+              <a:t>Coding and deployment</a:t>
+            </a:r>
+          </a:p>
+          <a:p>
+            <a:pPr lvl="1"/>
+            <a:r>
+              <a:rPr lang="en-GB" sz="2000" dirty="0"/>
+              <a:t>Tools used</a:t>
+            </a:r>
+          </a:p>
+          <a:p>
+            <a:r>
+              <a:rPr lang="en-GB" sz="2400" dirty="0"/>
+              <a:t>Demonstration</a:t>
+            </a:r>
+          </a:p>
+          <a:p>
+            <a:r>
+              <a:rPr lang="en-GB" sz="2400" dirty="0"/>
+              <a:t>Future goals</a:t>
+            </a:r>
+          </a:p>
+          <a:p>
+            <a:endParaRPr lang="en-GB" dirty="0"/>
           </a:p>
         </p:txBody>
       </p:sp>
     </p:spTree>
     <p:extLst>
       <p:ext uri="{BB962C8B-B14F-4D97-AF65-F5344CB8AC3E}">
-        <p14:creationId xmlns:p14="http://schemas.microsoft.com/office/powerpoint/2010/main" val="4236864048"/>
+        <p14:creationId xmlns:p14="http://schemas.microsoft.com/office/powerpoint/2010/main" val="3627510348"/>
       </p:ext>
     </p:extLst>
   </p:cSld>
@@ -6249,13 +6318,36 @@
             <a:spLocks noGrp="1"/>
           </p:cNvSpPr>
           <p:nvPr>
-            <p:ph type="ctrTitle"/>
+            <p:ph type="title"/>
+          </p:nvPr>
+        </p:nvSpPr>
+        <p:spPr/>
+        <p:txBody>
+          <a:bodyPr/>
+          <a:lstStyle/>
+          <a:p>
+            <a:r>
+              <a:rPr lang="en-GB" dirty="0" smtClean="0"/>
+              <a:t>Introduction</a:t>
+            </a:r>
+            <a:endParaRPr lang="en-GB" dirty="0"/>
+          </a:p>
+        </p:txBody>
+      </p:sp>
+      <p:sp>
+        <p:nvSpPr>
+          <p:cNvPr id="3" name="Content Placeholder 2"/>
+          <p:cNvSpPr>
+            <a:spLocks noGrp="1"/>
+          </p:cNvSpPr>
+          <p:nvPr>
+            <p:ph idx="1"/>
           </p:nvPr>
         </p:nvSpPr>
         <p:spPr>
           <a:xfrm>
-            <a:off x="0" y="6005638"/>
-            <a:ext cx="8825658" cy="852362"/>
+            <a:off x="1103312" y="2052919"/>
+            <a:ext cx="8946541" cy="1604682"/>
           </a:xfrm>
         </p:spPr>
         <p:txBody>
@@ -6264,45 +6356,422 @@
           <a:p>
             <a:r>
               <a:rPr lang="en-GB" dirty="0" smtClean="0"/>
-              <a:t>CI Pipeline</a:t>
+              <a:t>Aims</a:t>
+            </a:r>
+          </a:p>
+          <a:p>
+            <a:pPr lvl="1"/>
+            <a:r>
+              <a:rPr lang="en-GB" dirty="0" smtClean="0"/>
+              <a:t>Design and create an application with individually containerised </a:t>
+            </a:r>
+            <a:r>
+              <a:rPr lang="en-GB" dirty="0" err="1" smtClean="0"/>
+              <a:t>microservices</a:t>
+            </a:r>
+            <a:endParaRPr lang="en-GB" dirty="0" smtClean="0"/>
+          </a:p>
+          <a:p>
+            <a:pPr lvl="1"/>
+            <a:r>
+              <a:rPr lang="en-GB" dirty="0" smtClean="0"/>
+              <a:t>Utilise version control system and continuous deployment</a:t>
             </a:r>
             <a:endParaRPr lang="en-GB" dirty="0"/>
           </a:p>
-        </p:txBody>
-      </p:sp>
+          <a:p>
+            <a:pPr marL="457200" lvl="1" indent="0">
+              <a:buNone/>
+            </a:pPr>
+            <a:endParaRPr lang="en-GB" dirty="0"/>
+          </a:p>
+        </p:txBody>
+      </p:sp>
+      <p:sp>
+        <p:nvSpPr>
+          <p:cNvPr id="4" name="Content Placeholder 2"/>
+          <p:cNvSpPr txBox="1">
+            <a:spLocks/>
+          </p:cNvSpPr>
+          <p:nvPr/>
+        </p:nvSpPr>
+        <p:spPr>
+          <a:xfrm>
+            <a:off x="1103311" y="3657601"/>
+            <a:ext cx="8946541" cy="1604682"/>
+          </a:xfrm>
+          <a:prstGeom prst="rect">
+            <a:avLst/>
+          </a:prstGeom>
+        </p:spPr>
+        <p:txBody>
+          <a:bodyPr vert="horz" lIns="91440" tIns="45720" rIns="91440" bIns="45720" rtlCol="0">
+            <a:normAutofit/>
+          </a:bodyPr>
+          <a:lstStyle>
+            <a:lvl1pPr marL="342900" indent="-342900" algn="l" defTabSz="457200" rtl="0" eaLnBrk="1" latinLnBrk="0" hangingPunct="1">
+              <a:spcBef>
+                <a:spcPts val="1000"/>
+              </a:spcBef>
+              <a:spcAft>
+                <a:spcPts val="0"/>
+              </a:spcAft>
+              <a:buClr>
+                <a:schemeClr val="accent1">
+                  <a:lumMod val="60000"/>
+                  <a:lumOff val="40000"/>
+                </a:schemeClr>
+              </a:buClr>
+              <a:buSzPct val="80000"/>
+              <a:buFont typeface="Wingdings 3" charset="2"/>
+              <a:buChar char=""/>
+              <a:defRPr sz="2000" b="0" i="0" kern="1200">
+                <a:solidFill>
+                  <a:schemeClr val="tx1"/>
+                </a:solidFill>
+                <a:latin typeface="+mj-lt"/>
+                <a:ea typeface="+mj-ea"/>
+                <a:cs typeface="+mj-cs"/>
+              </a:defRPr>
+            </a:lvl1pPr>
+            <a:lvl2pPr marL="742950" indent="-285750" algn="l" defTabSz="457200" rtl="0" eaLnBrk="1" latinLnBrk="0" hangingPunct="1">
+              <a:spcBef>
+                <a:spcPts val="1000"/>
+              </a:spcBef>
+              <a:spcAft>
+                <a:spcPts val="0"/>
+              </a:spcAft>
+              <a:buClr>
+                <a:schemeClr val="accent1">
+                  <a:lumMod val="60000"/>
+                  <a:lumOff val="40000"/>
+                </a:schemeClr>
+              </a:buClr>
+              <a:buSzPct val="80000"/>
+              <a:buFont typeface="Wingdings 3" charset="2"/>
+              <a:buChar char=""/>
+              <a:defRPr sz="1800" b="0" i="0" kern="1200">
+                <a:solidFill>
+                  <a:schemeClr val="tx1"/>
+                </a:solidFill>
+                <a:latin typeface="+mj-lt"/>
+                <a:ea typeface="+mj-ea"/>
+                <a:cs typeface="+mj-cs"/>
+              </a:defRPr>
+            </a:lvl2pPr>
+            <a:lvl3pPr marL="1143000" indent="-228600" algn="l" defTabSz="457200" rtl="0" eaLnBrk="1" latinLnBrk="0" hangingPunct="1">
+              <a:spcBef>
+                <a:spcPts val="1000"/>
+              </a:spcBef>
+              <a:spcAft>
+                <a:spcPts val="0"/>
+              </a:spcAft>
+              <a:buClr>
+                <a:schemeClr val="accent1">
+                  <a:lumMod val="60000"/>
+                  <a:lumOff val="40000"/>
+                </a:schemeClr>
+              </a:buClr>
+              <a:buSzPct val="80000"/>
+              <a:buFont typeface="Wingdings 3" charset="2"/>
+              <a:buChar char=""/>
+              <a:defRPr sz="1600" b="0" i="0" kern="1200">
+                <a:solidFill>
+                  <a:schemeClr val="tx1"/>
+                </a:solidFill>
+                <a:latin typeface="+mj-lt"/>
+                <a:ea typeface="+mj-ea"/>
+                <a:cs typeface="+mj-cs"/>
+              </a:defRPr>
+            </a:lvl3pPr>
+            <a:lvl4pPr marL="1600200" indent="-228600" algn="l" defTabSz="457200" rtl="0" eaLnBrk="1" latinLnBrk="0" hangingPunct="1">
+              <a:spcBef>
+                <a:spcPts val="1000"/>
+              </a:spcBef>
+              <a:spcAft>
+                <a:spcPts val="0"/>
+              </a:spcAft>
+              <a:buClr>
+                <a:schemeClr val="accent1">
+                  <a:lumMod val="60000"/>
+                  <a:lumOff val="40000"/>
+                </a:schemeClr>
+              </a:buClr>
+              <a:buSzPct val="80000"/>
+              <a:buFont typeface="Wingdings 3" charset="2"/>
+              <a:buChar char=""/>
+              <a:defRPr sz="1400" b="0" i="0" kern="1200">
+                <a:solidFill>
+                  <a:schemeClr val="tx1"/>
+                </a:solidFill>
+                <a:latin typeface="+mj-lt"/>
+                <a:ea typeface="+mj-ea"/>
+                <a:cs typeface="+mj-cs"/>
+              </a:defRPr>
+            </a:lvl4pPr>
+            <a:lvl5pPr marL="2057400" indent="-228600" algn="l" defTabSz="457200" rtl="0" eaLnBrk="1" latinLnBrk="0" hangingPunct="1">
+              <a:spcBef>
+                <a:spcPts val="1000"/>
+              </a:spcBef>
+              <a:spcAft>
+                <a:spcPts val="0"/>
+              </a:spcAft>
+              <a:buClr>
+                <a:schemeClr val="accent1">
+                  <a:lumMod val="60000"/>
+                  <a:lumOff val="40000"/>
+                </a:schemeClr>
+              </a:buClr>
+              <a:buSzPct val="80000"/>
+              <a:buFont typeface="Wingdings 3" charset="2"/>
+              <a:buChar char=""/>
+              <a:defRPr sz="1400" b="0" i="0" kern="1200">
+                <a:solidFill>
+                  <a:schemeClr val="tx1"/>
+                </a:solidFill>
+                <a:latin typeface="+mj-lt"/>
+                <a:ea typeface="+mj-ea"/>
+                <a:cs typeface="+mj-cs"/>
+              </a:defRPr>
+            </a:lvl5pPr>
+            <a:lvl6pPr marL="2514600" indent="-228600" algn="l" defTabSz="457200" rtl="0" eaLnBrk="1" latinLnBrk="0" hangingPunct="1">
+              <a:spcBef>
+                <a:spcPts val="1000"/>
+              </a:spcBef>
+              <a:spcAft>
+                <a:spcPts val="0"/>
+              </a:spcAft>
+              <a:buClr>
+                <a:schemeClr val="accent1">
+                  <a:lumMod val="60000"/>
+                  <a:lumOff val="40000"/>
+                </a:schemeClr>
+              </a:buClr>
+              <a:buSzPct val="80000"/>
+              <a:buFont typeface="Wingdings 3" charset="2"/>
+              <a:buChar char=""/>
+              <a:defRPr sz="1400" b="0" i="0" kern="1200">
+                <a:solidFill>
+                  <a:schemeClr val="tx1"/>
+                </a:solidFill>
+                <a:latin typeface="+mj-lt"/>
+                <a:ea typeface="+mj-ea"/>
+                <a:cs typeface="+mj-cs"/>
+              </a:defRPr>
+            </a:lvl6pPr>
+            <a:lvl7pPr marL="2971800" indent="-228600" algn="l" defTabSz="457200" rtl="0" eaLnBrk="1" latinLnBrk="0" hangingPunct="1">
+              <a:spcBef>
+                <a:spcPts val="1000"/>
+              </a:spcBef>
+              <a:spcAft>
+                <a:spcPts val="0"/>
+              </a:spcAft>
+              <a:buClr>
+                <a:schemeClr val="accent1">
+                  <a:lumMod val="60000"/>
+                  <a:lumOff val="40000"/>
+                </a:schemeClr>
+              </a:buClr>
+              <a:buSzPct val="80000"/>
+              <a:buFont typeface="Wingdings 3" charset="2"/>
+              <a:buChar char=""/>
+              <a:defRPr sz="1400" b="0" i="0" kern="1200">
+                <a:solidFill>
+                  <a:schemeClr val="tx1"/>
+                </a:solidFill>
+                <a:latin typeface="+mj-lt"/>
+                <a:ea typeface="+mj-ea"/>
+                <a:cs typeface="+mj-cs"/>
+              </a:defRPr>
+            </a:lvl7pPr>
+            <a:lvl8pPr marL="3429000" indent="-228600" algn="l" defTabSz="457200" rtl="0" eaLnBrk="1" latinLnBrk="0" hangingPunct="1">
+              <a:spcBef>
+                <a:spcPts val="1000"/>
+              </a:spcBef>
+              <a:spcAft>
+                <a:spcPts val="0"/>
+              </a:spcAft>
+              <a:buClr>
+                <a:schemeClr val="accent1">
+                  <a:lumMod val="60000"/>
+                  <a:lumOff val="40000"/>
+                </a:schemeClr>
+              </a:buClr>
+              <a:buSzPct val="80000"/>
+              <a:buFont typeface="Wingdings 3" charset="2"/>
+              <a:buChar char=""/>
+              <a:defRPr sz="1400" b="0" i="0" kern="1200">
+                <a:solidFill>
+                  <a:schemeClr val="tx1"/>
+                </a:solidFill>
+                <a:latin typeface="+mj-lt"/>
+                <a:ea typeface="+mj-ea"/>
+                <a:cs typeface="+mj-cs"/>
+              </a:defRPr>
+            </a:lvl8pPr>
+            <a:lvl9pPr marL="3886200" indent="-228600" algn="l" defTabSz="457200" rtl="0" eaLnBrk="1" latinLnBrk="0" hangingPunct="1">
+              <a:spcBef>
+                <a:spcPts val="1000"/>
+              </a:spcBef>
+              <a:spcAft>
+                <a:spcPts val="0"/>
+              </a:spcAft>
+              <a:buClr>
+                <a:schemeClr val="accent1">
+                  <a:lumMod val="60000"/>
+                  <a:lumOff val="40000"/>
+                </a:schemeClr>
+              </a:buClr>
+              <a:buSzPct val="80000"/>
+              <a:buFont typeface="Wingdings 3" charset="2"/>
+              <a:buChar char=""/>
+              <a:defRPr sz="1400" b="0" i="0" kern="1200">
+                <a:solidFill>
+                  <a:schemeClr val="tx1"/>
+                </a:solidFill>
+                <a:latin typeface="+mj-lt"/>
+                <a:ea typeface="+mj-ea"/>
+                <a:cs typeface="+mj-cs"/>
+              </a:defRPr>
+            </a:lvl9pPr>
+          </a:lstStyle>
+          <a:p>
+            <a:r>
+              <a:rPr lang="en-GB" dirty="0" smtClean="0"/>
+              <a:t>Aims</a:t>
+            </a:r>
+          </a:p>
+          <a:p>
+            <a:pPr lvl="1"/>
+            <a:r>
+              <a:rPr lang="en-GB" dirty="0" smtClean="0"/>
+              <a:t>Design and create an application with individually containerised </a:t>
+            </a:r>
+            <a:r>
+              <a:rPr lang="en-GB" dirty="0" err="1" smtClean="0"/>
+              <a:t>microservices</a:t>
+            </a:r>
+            <a:endParaRPr lang="en-GB" dirty="0" smtClean="0"/>
+          </a:p>
+          <a:p>
+            <a:pPr lvl="1"/>
+            <a:r>
+              <a:rPr lang="en-GB" dirty="0" smtClean="0"/>
+              <a:t>Utilise version control system and continuous deployment</a:t>
+            </a:r>
+          </a:p>
+          <a:p>
+            <a:pPr marL="457200" lvl="1" indent="0">
+              <a:buFont typeface="Wingdings 3" charset="2"/>
+              <a:buNone/>
+            </a:pPr>
+            <a:endParaRPr lang="en-GB" dirty="0"/>
+          </a:p>
+        </p:txBody>
+      </p:sp>
+    </p:spTree>
+    <p:extLst>
+      <p:ext uri="{BB962C8B-B14F-4D97-AF65-F5344CB8AC3E}">
+        <p14:creationId xmlns:p14="http://schemas.microsoft.com/office/powerpoint/2010/main" val="1017913019"/>
+      </p:ext>
+    </p:extLst>
+  </p:cSld>
+  <p:clrMapOvr>
+    <a:masterClrMapping/>
+  </p:clrMapOvr>
+</p:sld>
+</file>
+
+<file path=ppt/slides/slide4.xml><?xml version="1.0" encoding="utf-8"?>
+<p:sld xmlns:a="http://schemas.openxmlformats.org/drawingml/2006/main" xmlns:r="http://schemas.openxmlformats.org/officeDocument/2006/relationships" xmlns:p="http://schemas.openxmlformats.org/presentationml/2006/main">
+  <p:cSld>
+    <p:spTree>
+      <p:nvGrpSpPr>
+        <p:cNvPr id="1" name=""/>
+        <p:cNvGrpSpPr/>
+        <p:nvPr/>
+      </p:nvGrpSpPr>
+      <p:grpSpPr>
+        <a:xfrm>
+          <a:off x="0" y="0"/>
+          <a:ext cx="0" cy="0"/>
+          <a:chOff x="0" y="0"/>
+          <a:chExt cx="0" cy="0"/>
+        </a:xfrm>
+      </p:grpSpPr>
       <p:pic>
         <p:nvPicPr>
-          <p:cNvPr id="4" name="Picture 3"/>
+          <p:cNvPr id="1028" name="Picture 4" descr="Image result for docker compose logo outline"/>
           <p:cNvPicPr>
-            <a:picLocks noChangeAspect="1"/>
+            <a:picLocks noChangeAspect="1" noChangeArrowheads="1"/>
           </p:cNvPicPr>
           <p:nvPr/>
         </p:nvPicPr>
         <p:blipFill>
           <a:blip r:embed="rId2">
+            <a:biLevel thresh="25000"/>
             <a:extLst>
               <a:ext uri="{28A0092B-C50C-407E-A947-70E740481C1C}">
                 <a14:useLocalDpi xmlns:a14="http://schemas.microsoft.com/office/drawing/2010/main" val="0"/>
               </a:ext>
             </a:extLst>
           </a:blip>
+          <a:srcRect/>
           <a:stretch>
             <a:fillRect/>
           </a:stretch>
         </p:blipFill>
-        <p:spPr>
+        <p:spPr bwMode="auto">
           <a:xfrm>
-            <a:off x="3753186" y="2958227"/>
-            <a:ext cx="1237547" cy="1708435"/>
+            <a:off x="8943718" y="4302863"/>
+            <a:ext cx="2126067" cy="2119424"/>
           </a:xfrm>
           <a:prstGeom prst="rect">
             <a:avLst/>
           </a:prstGeom>
+          <a:noFill/>
+          <a:extLst>
+            <a:ext uri="{909E8E84-426E-40DD-AFC4-6F175D3DCCD1}">
+              <a14:hiddenFill xmlns:a14="http://schemas.microsoft.com/office/drawing/2010/main">
+                <a:solidFill>
+                  <a:srgbClr val="FFFFFF"/>
+                </a:solidFill>
+              </a14:hiddenFill>
+            </a:ext>
+          </a:extLst>
         </p:spPr>
       </p:pic>
+      <p:sp>
+        <p:nvSpPr>
+          <p:cNvPr id="2" name="Title 1"/>
+          <p:cNvSpPr>
+            <a:spLocks noGrp="1"/>
+          </p:cNvSpPr>
+          <p:nvPr>
+            <p:ph type="ctrTitle"/>
+          </p:nvPr>
+        </p:nvSpPr>
+        <p:spPr>
+          <a:xfrm>
+            <a:off x="0" y="6005638"/>
+            <a:ext cx="8825658" cy="852362"/>
+          </a:xfrm>
+        </p:spPr>
+        <p:txBody>
+          <a:bodyPr/>
+          <a:lstStyle/>
+          <a:p>
+            <a:r>
+              <a:rPr lang="en-GB" dirty="0" smtClean="0"/>
+              <a:t>CI Pipeline</a:t>
+            </a:r>
+            <a:endParaRPr lang="en-GB" dirty="0"/>
+          </a:p>
+        </p:txBody>
+      </p:sp>
       <p:pic>
         <p:nvPicPr>
-          <p:cNvPr id="8" name="Picture 7"/>
+          <p:cNvPr id="4" name="Picture 3"/>
           <p:cNvPicPr>
             <a:picLocks noChangeAspect="1"/>
           </p:cNvPicPr>
@@ -6322,8 +6791,8 @@
         </p:blipFill>
         <p:spPr>
           <a:xfrm>
-            <a:off x="578509" y="485296"/>
-            <a:ext cx="1796108" cy="1796108"/>
+            <a:off x="3753186" y="2958227"/>
+            <a:ext cx="1237547" cy="1708435"/>
           </a:xfrm>
           <a:prstGeom prst="rect">
             <a:avLst/>
@@ -6332,7 +6801,7 @@
       </p:pic>
       <p:pic>
         <p:nvPicPr>
-          <p:cNvPr id="13" name="Picture 12"/>
+          <p:cNvPr id="8" name="Picture 7"/>
           <p:cNvPicPr>
             <a:picLocks noChangeAspect="1"/>
           </p:cNvPicPr>
@@ -6340,7 +6809,6 @@
         </p:nvPicPr>
         <p:blipFill>
           <a:blip r:embed="rId4">
-            <a:lum bright="70000" contrast="-70000"/>
             <a:extLst>
               <a:ext uri="{28A0092B-C50C-407E-A947-70E740481C1C}">
                 <a14:useLocalDpi xmlns:a14="http://schemas.microsoft.com/office/drawing/2010/main" val="0"/>
@@ -6353,8 +6821,8 @@
         </p:blipFill>
         <p:spPr>
           <a:xfrm>
-            <a:off x="3635126" y="561496"/>
-            <a:ext cx="1473669" cy="1473669"/>
+            <a:off x="578509" y="485296"/>
+            <a:ext cx="1796108" cy="1796108"/>
           </a:xfrm>
           <a:prstGeom prst="rect">
             <a:avLst/>
@@ -6363,7 +6831,7 @@
       </p:pic>
       <p:pic>
         <p:nvPicPr>
-          <p:cNvPr id="17" name="Picture 16"/>
+          <p:cNvPr id="13" name="Picture 12"/>
           <p:cNvPicPr>
             <a:picLocks noChangeAspect="1"/>
           </p:cNvPicPr>
@@ -6384,8 +6852,8 @@
         </p:blipFill>
         <p:spPr>
           <a:xfrm>
-            <a:off x="6369304" y="561496"/>
-            <a:ext cx="1517394" cy="1517394"/>
+            <a:off x="3635126" y="561496"/>
+            <a:ext cx="1473669" cy="1473669"/>
           </a:xfrm>
           <a:prstGeom prst="rect">
             <a:avLst/>
@@ -6672,7 +7140,7 @@
         </p:blipFill>
         <p:spPr bwMode="auto">
           <a:xfrm>
-            <a:off x="8608046" y="4243916"/>
+            <a:off x="8017127" y="-39800"/>
             <a:ext cx="3143250" cy="2237317"/>
           </a:xfrm>
           <a:prstGeom prst="rect">
@@ -6833,6 +7301,250 @@
           </a:fontRef>
         </p:style>
       </p:cxnSp>
+      <p:pic>
+        <p:nvPicPr>
+          <p:cNvPr id="1026" name="Picture 2" descr="Image result for ansible logo"/>
+          <p:cNvPicPr>
+            <a:picLocks noChangeAspect="1" noChangeArrowheads="1"/>
+          </p:cNvPicPr>
+          <p:nvPr/>
+        </p:nvPicPr>
+        <p:blipFill rotWithShape="1">
+          <a:blip r:embed="rId8">
+            <a:lum bright="70000" contrast="-70000"/>
+            <a:extLst>
+              <a:ext uri="{28A0092B-C50C-407E-A947-70E740481C1C}">
+                <a14:useLocalDpi xmlns:a14="http://schemas.microsoft.com/office/drawing/2010/main" val="0"/>
+              </a:ext>
+            </a:extLst>
+          </a:blip>
+          <a:srcRect l="2843" t="-2626" r="4348" b="16850"/>
+          <a:stretch/>
+        </p:blipFill>
+        <p:spPr bwMode="auto">
+          <a:xfrm>
+            <a:off x="583629" y="2958227"/>
+            <a:ext cx="1843313" cy="1708435"/>
+          </a:xfrm>
+          <a:prstGeom prst="rect">
+            <a:avLst/>
+          </a:prstGeom>
+          <a:noFill/>
+          <a:extLst>
+            <a:ext uri="{909E8E84-426E-40DD-AFC4-6F175D3DCCD1}">
+              <a14:hiddenFill xmlns:a14="http://schemas.microsoft.com/office/drawing/2010/main">
+                <a:solidFill>
+                  <a:srgbClr val="FFFFFF"/>
+                </a:solidFill>
+              </a14:hiddenFill>
+            </a:ext>
+          </a:extLst>
+        </p:spPr>
+      </p:pic>
+      <p:cxnSp>
+        <p:nvCxnSpPr>
+          <p:cNvPr id="16" name="Straight Arrow Connector 15"/>
+          <p:cNvCxnSpPr>
+            <a:stCxn id="1026" idx="3"/>
+          </p:cNvCxnSpPr>
+          <p:nvPr/>
+        </p:nvCxnSpPr>
+        <p:spPr>
+          <a:xfrm flipV="1">
+            <a:off x="2426942" y="3812444"/>
+            <a:ext cx="1208184" cy="1"/>
+          </a:xfrm>
+          <a:prstGeom prst="straightConnector1">
+            <a:avLst/>
+          </a:prstGeom>
+          <a:ln>
+            <a:solidFill>
+              <a:schemeClr val="tx1"/>
+            </a:solidFill>
+            <a:headEnd type="triangle"/>
+            <a:tailEnd type="triangle"/>
+          </a:ln>
+        </p:spPr>
+        <p:style>
+          <a:lnRef idx="1">
+            <a:schemeClr val="accent1"/>
+          </a:lnRef>
+          <a:fillRef idx="0">
+            <a:schemeClr val="accent1"/>
+          </a:fillRef>
+          <a:effectRef idx="0">
+            <a:schemeClr val="accent1"/>
+          </a:effectRef>
+          <a:fontRef idx="minor">
+            <a:schemeClr val="tx1"/>
+          </a:fontRef>
+        </p:style>
+      </p:cxnSp>
+      <p:pic>
+        <p:nvPicPr>
+          <p:cNvPr id="1032" name="Picture 8" descr="Image result for docker compose logo transparent"/>
+          <p:cNvPicPr>
+            <a:picLocks noChangeAspect="1" noChangeArrowheads="1"/>
+          </p:cNvPicPr>
+          <p:nvPr/>
+        </p:nvPicPr>
+        <p:blipFill>
+          <a:blip r:embed="rId9">
+            <a:biLevel thresh="25000"/>
+            <a:extLst>
+              <a:ext uri="{28A0092B-C50C-407E-A947-70E740481C1C}">
+                <a14:useLocalDpi xmlns:a14="http://schemas.microsoft.com/office/drawing/2010/main" val="0"/>
+              </a:ext>
+            </a:extLst>
+          </a:blip>
+          <a:srcRect/>
+          <a:stretch>
+            <a:fillRect/>
+          </a:stretch>
+        </p:blipFill>
+        <p:spPr bwMode="auto">
+          <a:xfrm>
+            <a:off x="9300043" y="1217639"/>
+            <a:ext cx="2022221" cy="2022221"/>
+          </a:xfrm>
+          <a:prstGeom prst="rect">
+            <a:avLst/>
+          </a:prstGeom>
+          <a:noFill/>
+          <a:extLst>
+            <a:ext uri="{909E8E84-426E-40DD-AFC4-6F175D3DCCD1}">
+              <a14:hiddenFill xmlns:a14="http://schemas.microsoft.com/office/drawing/2010/main">
+                <a:solidFill>
+                  <a:srgbClr val="FFFFFF"/>
+                </a:solidFill>
+              </a14:hiddenFill>
+            </a:ext>
+          </a:extLst>
+        </p:spPr>
+      </p:pic>
+      <p:pic>
+        <p:nvPicPr>
+          <p:cNvPr id="1034" name="Picture 10" descr="Image result for docker compose logo transparent"/>
+          <p:cNvPicPr>
+            <a:picLocks noChangeAspect="1" noChangeArrowheads="1"/>
+          </p:cNvPicPr>
+          <p:nvPr/>
+        </p:nvPicPr>
+        <p:blipFill>
+          <a:blip r:embed="rId9">
+            <a:biLevel thresh="25000"/>
+            <a:extLst>
+              <a:ext uri="{28A0092B-C50C-407E-A947-70E740481C1C}">
+                <a14:useLocalDpi xmlns:a14="http://schemas.microsoft.com/office/drawing/2010/main" val="0"/>
+              </a:ext>
+            </a:extLst>
+          </a:blip>
+          <a:srcRect/>
+          <a:stretch>
+            <a:fillRect/>
+          </a:stretch>
+        </p:blipFill>
+        <p:spPr bwMode="auto">
+          <a:xfrm>
+            <a:off x="9368061" y="2316469"/>
+            <a:ext cx="2022221" cy="2022221"/>
+          </a:xfrm>
+          <a:prstGeom prst="rect">
+            <a:avLst/>
+          </a:prstGeom>
+          <a:noFill/>
+          <a:extLst>
+            <a:ext uri="{909E8E84-426E-40DD-AFC4-6F175D3DCCD1}">
+              <a14:hiddenFill xmlns:a14="http://schemas.microsoft.com/office/drawing/2010/main">
+                <a:solidFill>
+                  <a:srgbClr val="FFFFFF"/>
+                </a:solidFill>
+              </a14:hiddenFill>
+            </a:ext>
+          </a:extLst>
+        </p:spPr>
+      </p:pic>
+      <p:pic>
+        <p:nvPicPr>
+          <p:cNvPr id="1036" name="Picture 12" descr="Image result for docker compose logo transparent"/>
+          <p:cNvPicPr>
+            <a:picLocks noChangeAspect="1" noChangeArrowheads="1"/>
+          </p:cNvPicPr>
+          <p:nvPr/>
+        </p:nvPicPr>
+        <p:blipFill>
+          <a:blip r:embed="rId9">
+            <a:biLevel thresh="25000"/>
+            <a:extLst>
+              <a:ext uri="{28A0092B-C50C-407E-A947-70E740481C1C}">
+                <a14:useLocalDpi xmlns:a14="http://schemas.microsoft.com/office/drawing/2010/main" val="0"/>
+              </a:ext>
+            </a:extLst>
+          </a:blip>
+          <a:srcRect/>
+          <a:stretch>
+            <a:fillRect/>
+          </a:stretch>
+        </p:blipFill>
+        <p:spPr bwMode="auto">
+          <a:xfrm>
+            <a:off x="10311153" y="1643229"/>
+            <a:ext cx="2022221" cy="2022221"/>
+          </a:xfrm>
+          <a:prstGeom prst="rect">
+            <a:avLst/>
+          </a:prstGeom>
+          <a:noFill/>
+          <a:extLst>
+            <a:ext uri="{909E8E84-426E-40DD-AFC4-6F175D3DCCD1}">
+              <a14:hiddenFill xmlns:a14="http://schemas.microsoft.com/office/drawing/2010/main">
+                <a:solidFill>
+                  <a:srgbClr val="FFFFFF"/>
+                </a:solidFill>
+              </a14:hiddenFill>
+            </a:ext>
+          </a:extLst>
+        </p:spPr>
+      </p:pic>
+      <p:pic>
+        <p:nvPicPr>
+          <p:cNvPr id="1046" name="Picture 22" descr="Image result for trello logo transparent"/>
+          <p:cNvPicPr>
+            <a:picLocks noChangeAspect="1" noChangeArrowheads="1"/>
+          </p:cNvPicPr>
+          <p:nvPr/>
+        </p:nvPicPr>
+        <p:blipFill rotWithShape="1">
+          <a:blip r:embed="rId10">
+            <a:extLst>
+              <a:ext uri="{28A0092B-C50C-407E-A947-70E740481C1C}">
+                <a14:useLocalDpi xmlns:a14="http://schemas.microsoft.com/office/drawing/2010/main" val="0"/>
+              </a:ext>
+            </a:extLst>
+          </a:blip>
+          <a:srcRect l="4997" t="10682" r="71312" b="10396"/>
+          <a:stretch/>
+        </p:blipFill>
+        <p:spPr bwMode="auto">
+          <a:xfrm>
+            <a:off x="6446895" y="494491"/>
+            <a:ext cx="1570232" cy="1607678"/>
+          </a:xfrm>
+          <a:prstGeom prst="rect">
+            <a:avLst/>
+          </a:prstGeom>
+          <a:noFill/>
+          <a:extLst>
+            <a:ext uri="{909E8E84-426E-40DD-AFC4-6F175D3DCCD1}">
+              <a14:hiddenFill xmlns:a14="http://schemas.microsoft.com/office/drawing/2010/main">
+                <a:solidFill>
+                  <a:srgbClr val="FFFFFF"/>
+                </a:solidFill>
+              </a14:hiddenFill>
+            </a:ext>
+          </a:extLst>
+        </p:spPr>
+      </p:pic>
     </p:spTree>
     <p:extLst>
       <p:ext uri="{BB962C8B-B14F-4D97-AF65-F5344CB8AC3E}">

--- a/Documentation/assassinsGuildPresentation.pptx
+++ b/Documentation/assassinsGuildPresentation.pptx
@@ -7140,7 +7140,7 @@
         </p:blipFill>
         <p:spPr bwMode="auto">
           <a:xfrm>
-            <a:off x="8017127" y="-39800"/>
+            <a:off x="8179013" y="-135148"/>
             <a:ext cx="3143250" cy="2237317"/>
           </a:xfrm>
           <a:prstGeom prst="rect">

--- a/Documentation/assassinsGuildPresentation.pptx
+++ b/Documentation/assassinsGuildPresentation.pptx
@@ -302,7 +302,7 @@
             <a:fld id="{B61BEF0D-F0BB-DE4B-95CE-6DB70DBA9567}" type="datetimeFigureOut">
               <a:rPr lang="en-US" smtClean="0"/>
               <a:pPr/>
-              <a:t>1/12/2020</a:t>
+              <a:t>1/13/2020</a:t>
             </a:fld>
             <a:endParaRPr lang="en-US" dirty="0"/>
           </a:p>
@@ -579,7 +579,7 @@
             <a:fld id="{B61BEF0D-F0BB-DE4B-95CE-6DB70DBA9567}" type="datetimeFigureOut">
               <a:rPr lang="en-US" smtClean="0"/>
               <a:pPr/>
-              <a:t>1/12/2020</a:t>
+              <a:t>1/13/2020</a:t>
             </a:fld>
             <a:endParaRPr lang="en-US" dirty="0"/>
           </a:p>
@@ -775,7 +775,7 @@
             <a:fld id="{B61BEF0D-F0BB-DE4B-95CE-6DB70DBA9567}" type="datetimeFigureOut">
               <a:rPr lang="en-US" smtClean="0"/>
               <a:pPr/>
-              <a:t>1/12/2020</a:t>
+              <a:t>1/13/2020</a:t>
             </a:fld>
             <a:endParaRPr lang="en-US" dirty="0"/>
           </a:p>
@@ -1048,7 +1048,7 @@
             <a:fld id="{B61BEF0D-F0BB-DE4B-95CE-6DB70DBA9567}" type="datetimeFigureOut">
               <a:rPr lang="en-US" smtClean="0"/>
               <a:pPr/>
-              <a:t>1/12/2020</a:t>
+              <a:t>1/13/2020</a:t>
             </a:fld>
             <a:endParaRPr lang="en-US" dirty="0"/>
           </a:p>
@@ -1377,7 +1377,7 @@
             <a:fld id="{B61BEF0D-F0BB-DE4B-95CE-6DB70DBA9567}" type="datetimeFigureOut">
               <a:rPr lang="en-US" smtClean="0"/>
               <a:pPr/>
-              <a:t>1/12/2020</a:t>
+              <a:t>1/13/2020</a:t>
             </a:fld>
             <a:endParaRPr lang="en-US" dirty="0"/>
           </a:p>
@@ -1998,7 +1998,7 @@
             <a:fld id="{B61BEF0D-F0BB-DE4B-95CE-6DB70DBA9567}" type="datetimeFigureOut">
               <a:rPr lang="en-US" smtClean="0"/>
               <a:pPr/>
-              <a:t>1/12/2020</a:t>
+              <a:t>1/13/2020</a:t>
             </a:fld>
             <a:endParaRPr lang="en-US" dirty="0"/>
           </a:p>
@@ -2847,7 +2847,7 @@
             <a:fld id="{B61BEF0D-F0BB-DE4B-95CE-6DB70DBA9567}" type="datetimeFigureOut">
               <a:rPr lang="en-US" smtClean="0"/>
               <a:pPr/>
-              <a:t>1/12/2020</a:t>
+              <a:t>1/13/2020</a:t>
             </a:fld>
             <a:endParaRPr lang="en-US" dirty="0"/>
           </a:p>
@@ -3019,7 +3019,7 @@
             <a:fld id="{B61BEF0D-F0BB-DE4B-95CE-6DB70DBA9567}" type="datetimeFigureOut">
               <a:rPr lang="en-US" smtClean="0"/>
               <a:pPr/>
-              <a:t>1/12/2020</a:t>
+              <a:t>1/13/2020</a:t>
             </a:fld>
             <a:endParaRPr lang="en-US" dirty="0"/>
           </a:p>
@@ -3201,7 +3201,7 @@
             <a:fld id="{B61BEF0D-F0BB-DE4B-95CE-6DB70DBA9567}" type="datetimeFigureOut">
               <a:rPr lang="en-US" smtClean="0"/>
               <a:pPr/>
-              <a:t>1/12/2020</a:t>
+              <a:t>1/13/2020</a:t>
             </a:fld>
             <a:endParaRPr lang="en-US" dirty="0"/>
           </a:p>
@@ -3373,7 +3373,7 @@
             <a:fld id="{B61BEF0D-F0BB-DE4B-95CE-6DB70DBA9567}" type="datetimeFigureOut">
               <a:rPr lang="en-US" smtClean="0"/>
               <a:pPr/>
-              <a:t>1/12/2020</a:t>
+              <a:t>1/13/2020</a:t>
             </a:fld>
             <a:endParaRPr lang="en-US" dirty="0"/>
           </a:p>
@@ -3622,7 +3622,7 @@
             <a:fld id="{B61BEF0D-F0BB-DE4B-95CE-6DB70DBA9567}" type="datetimeFigureOut">
               <a:rPr lang="en-US" smtClean="0"/>
               <a:pPr/>
-              <a:t>1/12/2020</a:t>
+              <a:t>1/13/2020</a:t>
             </a:fld>
             <a:endParaRPr lang="en-US" dirty="0"/>
           </a:p>
@@ -3916,7 +3916,7 @@
             <a:fld id="{B61BEF0D-F0BB-DE4B-95CE-6DB70DBA9567}" type="datetimeFigureOut">
               <a:rPr lang="en-US" smtClean="0"/>
               <a:pPr/>
-              <a:t>1/12/2020</a:t>
+              <a:t>1/13/2020</a:t>
             </a:fld>
             <a:endParaRPr lang="en-US" dirty="0"/>
           </a:p>
@@ -4362,7 +4362,7 @@
             <a:fld id="{B61BEF0D-F0BB-DE4B-95CE-6DB70DBA9567}" type="datetimeFigureOut">
               <a:rPr lang="en-US" smtClean="0"/>
               <a:pPr/>
-              <a:t>1/12/2020</a:t>
+              <a:t>1/13/2020</a:t>
             </a:fld>
             <a:endParaRPr lang="en-US" dirty="0"/>
           </a:p>
@@ -4482,7 +4482,7 @@
             <a:fld id="{B61BEF0D-F0BB-DE4B-95CE-6DB70DBA9567}" type="datetimeFigureOut">
               <a:rPr lang="en-US" smtClean="0"/>
               <a:pPr/>
-              <a:t>1/12/2020</a:t>
+              <a:t>1/13/2020</a:t>
             </a:fld>
             <a:endParaRPr lang="en-US" dirty="0"/>
           </a:p>
@@ -4579,7 +4579,7 @@
             <a:fld id="{B61BEF0D-F0BB-DE4B-95CE-6DB70DBA9567}" type="datetimeFigureOut">
               <a:rPr lang="en-US" smtClean="0"/>
               <a:pPr/>
-              <a:t>1/12/2020</a:t>
+              <a:t>1/13/2020</a:t>
             </a:fld>
             <a:endParaRPr lang="en-US" dirty="0"/>
           </a:p>
@@ -4860,7 +4860,7 @@
             <a:fld id="{B61BEF0D-F0BB-DE4B-95CE-6DB70DBA9567}" type="datetimeFigureOut">
               <a:rPr lang="en-US" smtClean="0"/>
               <a:pPr/>
-              <a:t>1/12/2020</a:t>
+              <a:t>1/13/2020</a:t>
             </a:fld>
             <a:endParaRPr lang="en-US" dirty="0"/>
           </a:p>
@@ -5137,7 +5137,7 @@
             <a:fld id="{B61BEF0D-F0BB-DE4B-95CE-6DB70DBA9567}" type="datetimeFigureOut">
               <a:rPr lang="en-US" smtClean="0"/>
               <a:pPr/>
-              <a:t>1/12/2020</a:t>
+              <a:t>1/13/2020</a:t>
             </a:fld>
             <a:endParaRPr lang="en-US" dirty="0"/>
           </a:p>
@@ -5562,7 +5562,7 @@
             <a:fld id="{B61BEF0D-F0BB-DE4B-95CE-6DB70DBA9567}" type="datetimeFigureOut">
               <a:rPr lang="en-US" smtClean="0"/>
               <a:pPr/>
-              <a:t>1/12/2020</a:t>
+              <a:t>1/13/2020</a:t>
             </a:fld>
             <a:endParaRPr lang="en-US" dirty="0"/>
           </a:p>
@@ -7118,46 +7118,6 @@
           </a:extLst>
         </p:spPr>
       </p:pic>
-      <p:pic>
-        <p:nvPicPr>
-          <p:cNvPr id="24" name="Picture 10" descr="Image result for docker swarm logo transparent"/>
-          <p:cNvPicPr>
-            <a:picLocks noChangeAspect="1" noChangeArrowheads="1"/>
-          </p:cNvPicPr>
-          <p:nvPr/>
-        </p:nvPicPr>
-        <p:blipFill rotWithShape="1">
-          <a:blip r:embed="rId7">
-            <a:biLevel thresh="50000"/>
-            <a:extLst>
-              <a:ext uri="{28A0092B-C50C-407E-A947-70E740481C1C}">
-                <a14:useLocalDpi xmlns:a14="http://schemas.microsoft.com/office/drawing/2010/main" val="0"/>
-              </a:ext>
-            </a:extLst>
-          </a:blip>
-          <a:srcRect l="20595" t="44074" r="20476"/>
-          <a:stretch/>
-        </p:blipFill>
-        <p:spPr bwMode="auto">
-          <a:xfrm>
-            <a:off x="8179013" y="-135148"/>
-            <a:ext cx="3143250" cy="2237317"/>
-          </a:xfrm>
-          <a:prstGeom prst="rect">
-            <a:avLst/>
-          </a:prstGeom>
-          <a:noFill/>
-          <a:extLst>
-            <a:ext uri="{909E8E84-426E-40DD-AFC4-6F175D3DCCD1}">
-              <a14:hiddenFill xmlns:a14="http://schemas.microsoft.com/office/drawing/2010/main">
-                <a:solidFill>
-                  <a:srgbClr val="FFFFFF"/>
-                </a:solidFill>
-              </a14:hiddenFill>
-            </a:ext>
-          </a:extLst>
-        </p:spPr>
-      </p:pic>
       <p:cxnSp>
         <p:nvCxnSpPr>
           <p:cNvPr id="25" name="Straight Arrow Connector 24"/>
@@ -7310,7 +7270,7 @@
           <p:nvPr/>
         </p:nvPicPr>
         <p:blipFill rotWithShape="1">
-          <a:blip r:embed="rId8">
+          <a:blip r:embed="rId7">
             <a:lum bright="70000" contrast="-70000"/>
             <a:extLst>
               <a:ext uri="{28A0092B-C50C-407E-A947-70E740481C1C}">
@@ -7382,132 +7342,6 @@
       </p:cxnSp>
       <p:pic>
         <p:nvPicPr>
-          <p:cNvPr id="1032" name="Picture 8" descr="Image result for docker compose logo transparent"/>
-          <p:cNvPicPr>
-            <a:picLocks noChangeAspect="1" noChangeArrowheads="1"/>
-          </p:cNvPicPr>
-          <p:nvPr/>
-        </p:nvPicPr>
-        <p:blipFill>
-          <a:blip r:embed="rId9">
-            <a:biLevel thresh="25000"/>
-            <a:extLst>
-              <a:ext uri="{28A0092B-C50C-407E-A947-70E740481C1C}">
-                <a14:useLocalDpi xmlns:a14="http://schemas.microsoft.com/office/drawing/2010/main" val="0"/>
-              </a:ext>
-            </a:extLst>
-          </a:blip>
-          <a:srcRect/>
-          <a:stretch>
-            <a:fillRect/>
-          </a:stretch>
-        </p:blipFill>
-        <p:spPr bwMode="auto">
-          <a:xfrm>
-            <a:off x="9300043" y="1217639"/>
-            <a:ext cx="2022221" cy="2022221"/>
-          </a:xfrm>
-          <a:prstGeom prst="rect">
-            <a:avLst/>
-          </a:prstGeom>
-          <a:noFill/>
-          <a:extLst>
-            <a:ext uri="{909E8E84-426E-40DD-AFC4-6F175D3DCCD1}">
-              <a14:hiddenFill xmlns:a14="http://schemas.microsoft.com/office/drawing/2010/main">
-                <a:solidFill>
-                  <a:srgbClr val="FFFFFF"/>
-                </a:solidFill>
-              </a14:hiddenFill>
-            </a:ext>
-          </a:extLst>
-        </p:spPr>
-      </p:pic>
-      <p:pic>
-        <p:nvPicPr>
-          <p:cNvPr id="1034" name="Picture 10" descr="Image result for docker compose logo transparent"/>
-          <p:cNvPicPr>
-            <a:picLocks noChangeAspect="1" noChangeArrowheads="1"/>
-          </p:cNvPicPr>
-          <p:nvPr/>
-        </p:nvPicPr>
-        <p:blipFill>
-          <a:blip r:embed="rId9">
-            <a:biLevel thresh="25000"/>
-            <a:extLst>
-              <a:ext uri="{28A0092B-C50C-407E-A947-70E740481C1C}">
-                <a14:useLocalDpi xmlns:a14="http://schemas.microsoft.com/office/drawing/2010/main" val="0"/>
-              </a:ext>
-            </a:extLst>
-          </a:blip>
-          <a:srcRect/>
-          <a:stretch>
-            <a:fillRect/>
-          </a:stretch>
-        </p:blipFill>
-        <p:spPr bwMode="auto">
-          <a:xfrm>
-            <a:off x="9368061" y="2316469"/>
-            <a:ext cx="2022221" cy="2022221"/>
-          </a:xfrm>
-          <a:prstGeom prst="rect">
-            <a:avLst/>
-          </a:prstGeom>
-          <a:noFill/>
-          <a:extLst>
-            <a:ext uri="{909E8E84-426E-40DD-AFC4-6F175D3DCCD1}">
-              <a14:hiddenFill xmlns:a14="http://schemas.microsoft.com/office/drawing/2010/main">
-                <a:solidFill>
-                  <a:srgbClr val="FFFFFF"/>
-                </a:solidFill>
-              </a14:hiddenFill>
-            </a:ext>
-          </a:extLst>
-        </p:spPr>
-      </p:pic>
-      <p:pic>
-        <p:nvPicPr>
-          <p:cNvPr id="1036" name="Picture 12" descr="Image result for docker compose logo transparent"/>
-          <p:cNvPicPr>
-            <a:picLocks noChangeAspect="1" noChangeArrowheads="1"/>
-          </p:cNvPicPr>
-          <p:nvPr/>
-        </p:nvPicPr>
-        <p:blipFill>
-          <a:blip r:embed="rId9">
-            <a:biLevel thresh="25000"/>
-            <a:extLst>
-              <a:ext uri="{28A0092B-C50C-407E-A947-70E740481C1C}">
-                <a14:useLocalDpi xmlns:a14="http://schemas.microsoft.com/office/drawing/2010/main" val="0"/>
-              </a:ext>
-            </a:extLst>
-          </a:blip>
-          <a:srcRect/>
-          <a:stretch>
-            <a:fillRect/>
-          </a:stretch>
-        </p:blipFill>
-        <p:spPr bwMode="auto">
-          <a:xfrm>
-            <a:off x="10311153" y="1643229"/>
-            <a:ext cx="2022221" cy="2022221"/>
-          </a:xfrm>
-          <a:prstGeom prst="rect">
-            <a:avLst/>
-          </a:prstGeom>
-          <a:noFill/>
-          <a:extLst>
-            <a:ext uri="{909E8E84-426E-40DD-AFC4-6F175D3DCCD1}">
-              <a14:hiddenFill xmlns:a14="http://schemas.microsoft.com/office/drawing/2010/main">
-                <a:solidFill>
-                  <a:srgbClr val="FFFFFF"/>
-                </a:solidFill>
-              </a14:hiddenFill>
-            </a:ext>
-          </a:extLst>
-        </p:spPr>
-      </p:pic>
-      <p:pic>
-        <p:nvPicPr>
           <p:cNvPr id="1046" name="Picture 22" descr="Image result for trello logo transparent"/>
           <p:cNvPicPr>
             <a:picLocks noChangeAspect="1" noChangeArrowheads="1"/>
@@ -7515,7 +7349,7 @@
           <p:nvPr/>
         </p:nvPicPr>
         <p:blipFill rotWithShape="1">
-          <a:blip r:embed="rId10">
+          <a:blip r:embed="rId8">
             <a:extLst>
               <a:ext uri="{28A0092B-C50C-407E-A947-70E740481C1C}">
                 <a14:useLocalDpi xmlns:a14="http://schemas.microsoft.com/office/drawing/2010/main" val="0"/>

--- a/Documentation/assassinsGuildPresentation.pptx
+++ b/Documentation/assassinsGuildPresentation.pptx
@@ -8,7 +8,16 @@
     <p:sldId id="256" r:id="rId2"/>
     <p:sldId id="260" r:id="rId3"/>
     <p:sldId id="261" r:id="rId4"/>
-    <p:sldId id="259" r:id="rId5"/>
+    <p:sldId id="263" r:id="rId5"/>
+    <p:sldId id="264" r:id="rId6"/>
+    <p:sldId id="265" r:id="rId7"/>
+    <p:sldId id="270" r:id="rId8"/>
+    <p:sldId id="267" r:id="rId9"/>
+    <p:sldId id="262" r:id="rId10"/>
+    <p:sldId id="266" r:id="rId11"/>
+    <p:sldId id="259" r:id="rId12"/>
+    <p:sldId id="268" r:id="rId13"/>
+    <p:sldId id="269" r:id="rId14"/>
   </p:sldIdLst>
   <p:sldSz cx="12192000" cy="6858000"/>
   <p:notesSz cx="6858000" cy="9144000"/>
@@ -6158,7 +6167,7 @@
 </p:sld>
 </file>
 
-<file path=ppt/slides/slide2.xml><?xml version="1.0" encoding="utf-8"?>
+<file path=ppt/slides/slide10.xml><?xml version="1.0" encoding="utf-8"?>
 <p:sld xmlns:a="http://schemas.openxmlformats.org/drawingml/2006/main" xmlns:r="http://schemas.openxmlformats.org/officeDocument/2006/relationships" xmlns:p="http://schemas.openxmlformats.org/presentationml/2006/main">
   <p:cSld>
     <p:spTree>
@@ -6192,7 +6201,7 @@
           <a:p>
             <a:r>
               <a:rPr lang="en-GB" dirty="0" smtClean="0"/>
-              <a:t>Contents</a:t>
+              <a:t>Live demonstration</a:t>
             </a:r>
             <a:endParaRPr lang="en-GB" dirty="0"/>
           </a:p>
@@ -6208,12 +6217,7 @@
             <p:ph idx="1"/>
           </p:nvPr>
         </p:nvSpPr>
-        <p:spPr>
-          <a:xfrm>
-            <a:off x="1103312" y="1581150"/>
-            <a:ext cx="8946541" cy="4667249"/>
-          </a:xfrm>
-        </p:spPr>
+        <p:spPr/>
         <p:txBody>
           <a:bodyPr>
             <a:normAutofit/>
@@ -6221,70 +6225,37 @@
           <a:lstStyle/>
           <a:p>
             <a:r>
-              <a:rPr lang="en-GB" sz="2400" dirty="0"/>
-              <a:t>Introduction</a:t>
-            </a:r>
-          </a:p>
-          <a:p>
-            <a:r>
-              <a:rPr lang="en-GB" sz="2400" dirty="0"/>
-              <a:t>Planning</a:t>
-            </a:r>
-          </a:p>
-          <a:p>
-            <a:pPr lvl="1"/>
-            <a:r>
-              <a:rPr lang="en-GB" sz="2000" dirty="0"/>
-              <a:t>Trello board</a:t>
-            </a:r>
-          </a:p>
-          <a:p>
-            <a:r>
-              <a:rPr lang="en-GB" sz="2400" dirty="0"/>
-              <a:t>Risks faced</a:t>
-            </a:r>
-          </a:p>
-          <a:p>
-            <a:pPr lvl="1"/>
-            <a:r>
-              <a:rPr lang="en-GB" sz="2000" dirty="0"/>
-              <a:t>Mitigation measures</a:t>
-            </a:r>
-          </a:p>
-          <a:p>
-            <a:r>
-              <a:rPr lang="en-GB" sz="2400" dirty="0"/>
-              <a:t>Coding and deployment</a:t>
-            </a:r>
-          </a:p>
-          <a:p>
-            <a:pPr lvl="1"/>
-            <a:r>
-              <a:rPr lang="en-GB" sz="2000" dirty="0"/>
-              <a:t>Tools used</a:t>
-            </a:r>
-          </a:p>
-          <a:p>
-            <a:r>
-              <a:rPr lang="en-GB" sz="2400" dirty="0"/>
-              <a:t>Demonstration</a:t>
-            </a:r>
-          </a:p>
-          <a:p>
-            <a:r>
-              <a:rPr lang="en-GB" sz="2400" dirty="0"/>
-              <a:t>Future goals</a:t>
-            </a:r>
-          </a:p>
-          <a:p>
-            <a:endParaRPr lang="en-GB" dirty="0"/>
+              <a:rPr lang="en-GB" sz="2400" dirty="0">
+                <a:hlinkClick r:id="rId2"/>
+              </a:rPr>
+              <a:t>http://34.76.193.128</a:t>
+            </a:r>
+            <a:r>
+              <a:rPr lang="en-GB" sz="2400" dirty="0" smtClean="0">
+                <a:hlinkClick r:id="rId2"/>
+              </a:rPr>
+              <a:t>/</a:t>
+            </a:r>
+            <a:endParaRPr lang="en-GB" sz="2400" dirty="0" smtClean="0"/>
+          </a:p>
+          <a:p>
+            <a:endParaRPr lang="en-GB" sz="2400" dirty="0"/>
+          </a:p>
+          <a:p>
+            <a:r>
+              <a:rPr lang="en-GB" sz="2400" dirty="0">
+                <a:hlinkClick r:id="rId3"/>
+              </a:rPr>
+              <a:t>https://github.com/TheBartThe/assassinsGuild</a:t>
+            </a:r>
+            <a:endParaRPr lang="en-GB" sz="2400" dirty="0"/>
           </a:p>
         </p:txBody>
       </p:sp>
     </p:spTree>
     <p:extLst>
       <p:ext uri="{BB962C8B-B14F-4D97-AF65-F5344CB8AC3E}">
-        <p14:creationId xmlns:p14="http://schemas.microsoft.com/office/powerpoint/2010/main" val="3627510348"/>
+        <p14:creationId xmlns:p14="http://schemas.microsoft.com/office/powerpoint/2010/main" val="424474695"/>
       </p:ext>
     </p:extLst>
   </p:cSld>
@@ -6294,395 +6265,7 @@
 </p:sld>
 </file>
 
-<file path=ppt/slides/slide3.xml><?xml version="1.0" encoding="utf-8"?>
-<p:sld xmlns:a="http://schemas.openxmlformats.org/drawingml/2006/main" xmlns:r="http://schemas.openxmlformats.org/officeDocument/2006/relationships" xmlns:p="http://schemas.openxmlformats.org/presentationml/2006/main">
-  <p:cSld>
-    <p:spTree>
-      <p:nvGrpSpPr>
-        <p:cNvPr id="1" name=""/>
-        <p:cNvGrpSpPr/>
-        <p:nvPr/>
-      </p:nvGrpSpPr>
-      <p:grpSpPr>
-        <a:xfrm>
-          <a:off x="0" y="0"/>
-          <a:ext cx="0" cy="0"/>
-          <a:chOff x="0" y="0"/>
-          <a:chExt cx="0" cy="0"/>
-        </a:xfrm>
-      </p:grpSpPr>
-      <p:sp>
-        <p:nvSpPr>
-          <p:cNvPr id="2" name="Title 1"/>
-          <p:cNvSpPr>
-            <a:spLocks noGrp="1"/>
-          </p:cNvSpPr>
-          <p:nvPr>
-            <p:ph type="title"/>
-          </p:nvPr>
-        </p:nvSpPr>
-        <p:spPr/>
-        <p:txBody>
-          <a:bodyPr/>
-          <a:lstStyle/>
-          <a:p>
-            <a:r>
-              <a:rPr lang="en-GB" dirty="0" smtClean="0"/>
-              <a:t>Introduction</a:t>
-            </a:r>
-            <a:endParaRPr lang="en-GB" dirty="0"/>
-          </a:p>
-        </p:txBody>
-      </p:sp>
-      <p:sp>
-        <p:nvSpPr>
-          <p:cNvPr id="3" name="Content Placeholder 2"/>
-          <p:cNvSpPr>
-            <a:spLocks noGrp="1"/>
-          </p:cNvSpPr>
-          <p:nvPr>
-            <p:ph idx="1"/>
-          </p:nvPr>
-        </p:nvSpPr>
-        <p:spPr>
-          <a:xfrm>
-            <a:off x="1103312" y="2052919"/>
-            <a:ext cx="8946541" cy="1604682"/>
-          </a:xfrm>
-        </p:spPr>
-        <p:txBody>
-          <a:bodyPr/>
-          <a:lstStyle/>
-          <a:p>
-            <a:r>
-              <a:rPr lang="en-GB" dirty="0" smtClean="0"/>
-              <a:t>Aims</a:t>
-            </a:r>
-          </a:p>
-          <a:p>
-            <a:pPr lvl="1"/>
-            <a:r>
-              <a:rPr lang="en-GB" dirty="0" smtClean="0"/>
-              <a:t>Design and create an application with individually containerised </a:t>
-            </a:r>
-            <a:r>
-              <a:rPr lang="en-GB" dirty="0" err="1" smtClean="0"/>
-              <a:t>microservices</a:t>
-            </a:r>
-            <a:endParaRPr lang="en-GB" dirty="0" smtClean="0"/>
-          </a:p>
-          <a:p>
-            <a:pPr lvl="1"/>
-            <a:r>
-              <a:rPr lang="en-GB" dirty="0" smtClean="0"/>
-              <a:t>Utilise version control system and continuous deployment</a:t>
-            </a:r>
-            <a:endParaRPr lang="en-GB" dirty="0"/>
-          </a:p>
-          <a:p>
-            <a:pPr marL="457200" lvl="1" indent="0">
-              <a:buNone/>
-            </a:pPr>
-            <a:endParaRPr lang="en-GB" dirty="0"/>
-          </a:p>
-        </p:txBody>
-      </p:sp>
-      <p:sp>
-        <p:nvSpPr>
-          <p:cNvPr id="4" name="Content Placeholder 2"/>
-          <p:cNvSpPr txBox="1">
-            <a:spLocks/>
-          </p:cNvSpPr>
-          <p:nvPr/>
-        </p:nvSpPr>
-        <p:spPr>
-          <a:xfrm>
-            <a:off x="1103311" y="3657601"/>
-            <a:ext cx="8946541" cy="1604682"/>
-          </a:xfrm>
-          <a:prstGeom prst="rect">
-            <a:avLst/>
-          </a:prstGeom>
-        </p:spPr>
-        <p:txBody>
-          <a:bodyPr vert="horz" lIns="91440" tIns="45720" rIns="91440" bIns="45720" rtlCol="0">
-            <a:normAutofit/>
-          </a:bodyPr>
-          <a:lstStyle>
-            <a:lvl1pPr marL="342900" indent="-342900" algn="l" defTabSz="457200" rtl="0" eaLnBrk="1" latinLnBrk="0" hangingPunct="1">
-              <a:spcBef>
-                <a:spcPts val="1000"/>
-              </a:spcBef>
-              <a:spcAft>
-                <a:spcPts val="0"/>
-              </a:spcAft>
-              <a:buClr>
-                <a:schemeClr val="accent1">
-                  <a:lumMod val="60000"/>
-                  <a:lumOff val="40000"/>
-                </a:schemeClr>
-              </a:buClr>
-              <a:buSzPct val="80000"/>
-              <a:buFont typeface="Wingdings 3" charset="2"/>
-              <a:buChar char=""/>
-              <a:defRPr sz="2000" b="0" i="0" kern="1200">
-                <a:solidFill>
-                  <a:schemeClr val="tx1"/>
-                </a:solidFill>
-                <a:latin typeface="+mj-lt"/>
-                <a:ea typeface="+mj-ea"/>
-                <a:cs typeface="+mj-cs"/>
-              </a:defRPr>
-            </a:lvl1pPr>
-            <a:lvl2pPr marL="742950" indent="-285750" algn="l" defTabSz="457200" rtl="0" eaLnBrk="1" latinLnBrk="0" hangingPunct="1">
-              <a:spcBef>
-                <a:spcPts val="1000"/>
-              </a:spcBef>
-              <a:spcAft>
-                <a:spcPts val="0"/>
-              </a:spcAft>
-              <a:buClr>
-                <a:schemeClr val="accent1">
-                  <a:lumMod val="60000"/>
-                  <a:lumOff val="40000"/>
-                </a:schemeClr>
-              </a:buClr>
-              <a:buSzPct val="80000"/>
-              <a:buFont typeface="Wingdings 3" charset="2"/>
-              <a:buChar char=""/>
-              <a:defRPr sz="1800" b="0" i="0" kern="1200">
-                <a:solidFill>
-                  <a:schemeClr val="tx1"/>
-                </a:solidFill>
-                <a:latin typeface="+mj-lt"/>
-                <a:ea typeface="+mj-ea"/>
-                <a:cs typeface="+mj-cs"/>
-              </a:defRPr>
-            </a:lvl2pPr>
-            <a:lvl3pPr marL="1143000" indent="-228600" algn="l" defTabSz="457200" rtl="0" eaLnBrk="1" latinLnBrk="0" hangingPunct="1">
-              <a:spcBef>
-                <a:spcPts val="1000"/>
-              </a:spcBef>
-              <a:spcAft>
-                <a:spcPts val="0"/>
-              </a:spcAft>
-              <a:buClr>
-                <a:schemeClr val="accent1">
-                  <a:lumMod val="60000"/>
-                  <a:lumOff val="40000"/>
-                </a:schemeClr>
-              </a:buClr>
-              <a:buSzPct val="80000"/>
-              <a:buFont typeface="Wingdings 3" charset="2"/>
-              <a:buChar char=""/>
-              <a:defRPr sz="1600" b="0" i="0" kern="1200">
-                <a:solidFill>
-                  <a:schemeClr val="tx1"/>
-                </a:solidFill>
-                <a:latin typeface="+mj-lt"/>
-                <a:ea typeface="+mj-ea"/>
-                <a:cs typeface="+mj-cs"/>
-              </a:defRPr>
-            </a:lvl3pPr>
-            <a:lvl4pPr marL="1600200" indent="-228600" algn="l" defTabSz="457200" rtl="0" eaLnBrk="1" latinLnBrk="0" hangingPunct="1">
-              <a:spcBef>
-                <a:spcPts val="1000"/>
-              </a:spcBef>
-              <a:spcAft>
-                <a:spcPts val="0"/>
-              </a:spcAft>
-              <a:buClr>
-                <a:schemeClr val="accent1">
-                  <a:lumMod val="60000"/>
-                  <a:lumOff val="40000"/>
-                </a:schemeClr>
-              </a:buClr>
-              <a:buSzPct val="80000"/>
-              <a:buFont typeface="Wingdings 3" charset="2"/>
-              <a:buChar char=""/>
-              <a:defRPr sz="1400" b="0" i="0" kern="1200">
-                <a:solidFill>
-                  <a:schemeClr val="tx1"/>
-                </a:solidFill>
-                <a:latin typeface="+mj-lt"/>
-                <a:ea typeface="+mj-ea"/>
-                <a:cs typeface="+mj-cs"/>
-              </a:defRPr>
-            </a:lvl4pPr>
-            <a:lvl5pPr marL="2057400" indent="-228600" algn="l" defTabSz="457200" rtl="0" eaLnBrk="1" latinLnBrk="0" hangingPunct="1">
-              <a:spcBef>
-                <a:spcPts val="1000"/>
-              </a:spcBef>
-              <a:spcAft>
-                <a:spcPts val="0"/>
-              </a:spcAft>
-              <a:buClr>
-                <a:schemeClr val="accent1">
-                  <a:lumMod val="60000"/>
-                  <a:lumOff val="40000"/>
-                </a:schemeClr>
-              </a:buClr>
-              <a:buSzPct val="80000"/>
-              <a:buFont typeface="Wingdings 3" charset="2"/>
-              <a:buChar char=""/>
-              <a:defRPr sz="1400" b="0" i="0" kern="1200">
-                <a:solidFill>
-                  <a:schemeClr val="tx1"/>
-                </a:solidFill>
-                <a:latin typeface="+mj-lt"/>
-                <a:ea typeface="+mj-ea"/>
-                <a:cs typeface="+mj-cs"/>
-              </a:defRPr>
-            </a:lvl5pPr>
-            <a:lvl6pPr marL="2514600" indent="-228600" algn="l" defTabSz="457200" rtl="0" eaLnBrk="1" latinLnBrk="0" hangingPunct="1">
-              <a:spcBef>
-                <a:spcPts val="1000"/>
-              </a:spcBef>
-              <a:spcAft>
-                <a:spcPts val="0"/>
-              </a:spcAft>
-              <a:buClr>
-                <a:schemeClr val="accent1">
-                  <a:lumMod val="60000"/>
-                  <a:lumOff val="40000"/>
-                </a:schemeClr>
-              </a:buClr>
-              <a:buSzPct val="80000"/>
-              <a:buFont typeface="Wingdings 3" charset="2"/>
-              <a:buChar char=""/>
-              <a:defRPr sz="1400" b="0" i="0" kern="1200">
-                <a:solidFill>
-                  <a:schemeClr val="tx1"/>
-                </a:solidFill>
-                <a:latin typeface="+mj-lt"/>
-                <a:ea typeface="+mj-ea"/>
-                <a:cs typeface="+mj-cs"/>
-              </a:defRPr>
-            </a:lvl6pPr>
-            <a:lvl7pPr marL="2971800" indent="-228600" algn="l" defTabSz="457200" rtl="0" eaLnBrk="1" latinLnBrk="0" hangingPunct="1">
-              <a:spcBef>
-                <a:spcPts val="1000"/>
-              </a:spcBef>
-              <a:spcAft>
-                <a:spcPts val="0"/>
-              </a:spcAft>
-              <a:buClr>
-                <a:schemeClr val="accent1">
-                  <a:lumMod val="60000"/>
-                  <a:lumOff val="40000"/>
-                </a:schemeClr>
-              </a:buClr>
-              <a:buSzPct val="80000"/>
-              <a:buFont typeface="Wingdings 3" charset="2"/>
-              <a:buChar char=""/>
-              <a:defRPr sz="1400" b="0" i="0" kern="1200">
-                <a:solidFill>
-                  <a:schemeClr val="tx1"/>
-                </a:solidFill>
-                <a:latin typeface="+mj-lt"/>
-                <a:ea typeface="+mj-ea"/>
-                <a:cs typeface="+mj-cs"/>
-              </a:defRPr>
-            </a:lvl7pPr>
-            <a:lvl8pPr marL="3429000" indent="-228600" algn="l" defTabSz="457200" rtl="0" eaLnBrk="1" latinLnBrk="0" hangingPunct="1">
-              <a:spcBef>
-                <a:spcPts val="1000"/>
-              </a:spcBef>
-              <a:spcAft>
-                <a:spcPts val="0"/>
-              </a:spcAft>
-              <a:buClr>
-                <a:schemeClr val="accent1">
-                  <a:lumMod val="60000"/>
-                  <a:lumOff val="40000"/>
-                </a:schemeClr>
-              </a:buClr>
-              <a:buSzPct val="80000"/>
-              <a:buFont typeface="Wingdings 3" charset="2"/>
-              <a:buChar char=""/>
-              <a:defRPr sz="1400" b="0" i="0" kern="1200">
-                <a:solidFill>
-                  <a:schemeClr val="tx1"/>
-                </a:solidFill>
-                <a:latin typeface="+mj-lt"/>
-                <a:ea typeface="+mj-ea"/>
-                <a:cs typeface="+mj-cs"/>
-              </a:defRPr>
-            </a:lvl8pPr>
-            <a:lvl9pPr marL="3886200" indent="-228600" algn="l" defTabSz="457200" rtl="0" eaLnBrk="1" latinLnBrk="0" hangingPunct="1">
-              <a:spcBef>
-                <a:spcPts val="1000"/>
-              </a:spcBef>
-              <a:spcAft>
-                <a:spcPts val="0"/>
-              </a:spcAft>
-              <a:buClr>
-                <a:schemeClr val="accent1">
-                  <a:lumMod val="60000"/>
-                  <a:lumOff val="40000"/>
-                </a:schemeClr>
-              </a:buClr>
-              <a:buSzPct val="80000"/>
-              <a:buFont typeface="Wingdings 3" charset="2"/>
-              <a:buChar char=""/>
-              <a:defRPr sz="1400" b="0" i="0" kern="1200">
-                <a:solidFill>
-                  <a:schemeClr val="tx1"/>
-                </a:solidFill>
-                <a:latin typeface="+mj-lt"/>
-                <a:ea typeface="+mj-ea"/>
-                <a:cs typeface="+mj-cs"/>
-              </a:defRPr>
-            </a:lvl9pPr>
-          </a:lstStyle>
-          <a:p>
-            <a:r>
-              <a:rPr lang="en-GB" dirty="0" smtClean="0"/>
-              <a:t>Aims</a:t>
-            </a:r>
-          </a:p>
-          <a:p>
-            <a:pPr lvl="1"/>
-            <a:r>
-              <a:rPr lang="en-GB" dirty="0" smtClean="0"/>
-              <a:t>Design and create an application with individually containerised </a:t>
-            </a:r>
-            <a:r>
-              <a:rPr lang="en-GB" dirty="0" err="1" smtClean="0"/>
-              <a:t>microservices</a:t>
-            </a:r>
-            <a:endParaRPr lang="en-GB" dirty="0" smtClean="0"/>
-          </a:p>
-          <a:p>
-            <a:pPr lvl="1"/>
-            <a:r>
-              <a:rPr lang="en-GB" dirty="0" smtClean="0"/>
-              <a:t>Utilise version control system and continuous deployment</a:t>
-            </a:r>
-          </a:p>
-          <a:p>
-            <a:pPr marL="457200" lvl="1" indent="0">
-              <a:buFont typeface="Wingdings 3" charset="2"/>
-              <a:buNone/>
-            </a:pPr>
-            <a:endParaRPr lang="en-GB" dirty="0"/>
-          </a:p>
-        </p:txBody>
-      </p:sp>
-    </p:spTree>
-    <p:extLst>
-      <p:ext uri="{BB962C8B-B14F-4D97-AF65-F5344CB8AC3E}">
-        <p14:creationId xmlns:p14="http://schemas.microsoft.com/office/powerpoint/2010/main" val="1017913019"/>
-      </p:ext>
-    </p:extLst>
-  </p:cSld>
-  <p:clrMapOvr>
-    <a:masterClrMapping/>
-  </p:clrMapOvr>
-</p:sld>
-</file>
-
-<file path=ppt/slides/slide4.xml><?xml version="1.0" encoding="utf-8"?>
+<file path=ppt/slides/slide11.xml><?xml version="1.0" encoding="utf-8"?>
 <p:sld xmlns:a="http://schemas.openxmlformats.org/drawingml/2006/main" xmlns:r="http://schemas.openxmlformats.org/officeDocument/2006/relationships" xmlns:p="http://schemas.openxmlformats.org/presentationml/2006/main">
   <p:cSld>
     <p:spTree>
@@ -7399,6 +6982,1402 @@
 </p:sld>
 </file>
 
+<file path=ppt/slides/slide12.xml><?xml version="1.0" encoding="utf-8"?>
+<p:sld xmlns:a="http://schemas.openxmlformats.org/drawingml/2006/main" xmlns:r="http://schemas.openxmlformats.org/officeDocument/2006/relationships" xmlns:p="http://schemas.openxmlformats.org/presentationml/2006/main">
+  <p:cSld>
+    <p:spTree>
+      <p:nvGrpSpPr>
+        <p:cNvPr id="1" name=""/>
+        <p:cNvGrpSpPr/>
+        <p:nvPr/>
+      </p:nvGrpSpPr>
+      <p:grpSpPr>
+        <a:xfrm>
+          <a:off x="0" y="0"/>
+          <a:ext cx="0" cy="0"/>
+          <a:chOff x="0" y="0"/>
+          <a:chExt cx="0" cy="0"/>
+        </a:xfrm>
+      </p:grpSpPr>
+      <p:sp>
+        <p:nvSpPr>
+          <p:cNvPr id="2" name="Title 1"/>
+          <p:cNvSpPr>
+            <a:spLocks noGrp="1"/>
+          </p:cNvSpPr>
+          <p:nvPr>
+            <p:ph type="title"/>
+          </p:nvPr>
+        </p:nvSpPr>
+        <p:spPr/>
+        <p:txBody>
+          <a:bodyPr/>
+          <a:lstStyle/>
+          <a:p>
+            <a:r>
+              <a:rPr lang="en-GB" dirty="0" smtClean="0"/>
+              <a:t>Improvements</a:t>
+            </a:r>
+            <a:endParaRPr lang="en-GB" dirty="0"/>
+          </a:p>
+        </p:txBody>
+      </p:sp>
+      <p:sp>
+        <p:nvSpPr>
+          <p:cNvPr id="3" name="Content Placeholder 2"/>
+          <p:cNvSpPr>
+            <a:spLocks noGrp="1"/>
+          </p:cNvSpPr>
+          <p:nvPr>
+            <p:ph idx="1"/>
+          </p:nvPr>
+        </p:nvSpPr>
+        <p:spPr/>
+        <p:txBody>
+          <a:bodyPr>
+            <a:normAutofit/>
+          </a:bodyPr>
+          <a:lstStyle/>
+          <a:p>
+            <a:pPr>
+              <a:lnSpc>
+                <a:spcPct val="150000"/>
+              </a:lnSpc>
+            </a:pPr>
+            <a:r>
+              <a:rPr lang="en-GB" sz="2400" dirty="0" smtClean="0"/>
+              <a:t>Testing – connections between containers</a:t>
+            </a:r>
+          </a:p>
+          <a:p>
+            <a:pPr>
+              <a:lnSpc>
+                <a:spcPct val="150000"/>
+              </a:lnSpc>
+            </a:pPr>
+            <a:r>
+              <a:rPr lang="en-GB" sz="2400" dirty="0" smtClean="0"/>
+              <a:t>Testing in Jenkins before deployment</a:t>
+            </a:r>
+          </a:p>
+          <a:p>
+            <a:pPr>
+              <a:lnSpc>
+                <a:spcPct val="150000"/>
+              </a:lnSpc>
+            </a:pPr>
+            <a:r>
+              <a:rPr lang="en-GB" sz="2400" dirty="0" smtClean="0"/>
+              <a:t>Start application in </a:t>
+            </a:r>
+            <a:r>
+              <a:rPr lang="en-GB" sz="2400" dirty="0" err="1" smtClean="0"/>
+              <a:t>Ansible</a:t>
+            </a:r>
+            <a:r>
+              <a:rPr lang="en-GB" sz="2400" dirty="0" smtClean="0"/>
+              <a:t> playbook</a:t>
+            </a:r>
+            <a:endParaRPr lang="en-GB" sz="2400" dirty="0"/>
+          </a:p>
+        </p:txBody>
+      </p:sp>
+    </p:spTree>
+    <p:extLst>
+      <p:ext uri="{BB962C8B-B14F-4D97-AF65-F5344CB8AC3E}">
+        <p14:creationId xmlns:p14="http://schemas.microsoft.com/office/powerpoint/2010/main" val="2429703781"/>
+      </p:ext>
+    </p:extLst>
+  </p:cSld>
+  <p:clrMapOvr>
+    <a:masterClrMapping/>
+  </p:clrMapOvr>
+</p:sld>
+</file>
+
+<file path=ppt/slides/slide13.xml><?xml version="1.0" encoding="utf-8"?>
+<p:sld xmlns:a="http://schemas.openxmlformats.org/drawingml/2006/main" xmlns:r="http://schemas.openxmlformats.org/officeDocument/2006/relationships" xmlns:p="http://schemas.openxmlformats.org/presentationml/2006/main">
+  <p:cSld>
+    <p:spTree>
+      <p:nvGrpSpPr>
+        <p:cNvPr id="1" name=""/>
+        <p:cNvGrpSpPr/>
+        <p:nvPr/>
+      </p:nvGrpSpPr>
+      <p:grpSpPr>
+        <a:xfrm>
+          <a:off x="0" y="0"/>
+          <a:ext cx="0" cy="0"/>
+          <a:chOff x="0" y="0"/>
+          <a:chExt cx="0" cy="0"/>
+        </a:xfrm>
+      </p:grpSpPr>
+      <p:sp>
+        <p:nvSpPr>
+          <p:cNvPr id="2" name="Title 1"/>
+          <p:cNvSpPr>
+            <a:spLocks noGrp="1"/>
+          </p:cNvSpPr>
+          <p:nvPr>
+            <p:ph type="ctrTitle"/>
+          </p:nvPr>
+        </p:nvSpPr>
+        <p:spPr>
+          <a:xfrm>
+            <a:off x="1154955" y="1447801"/>
+            <a:ext cx="8825658" cy="2839528"/>
+          </a:xfrm>
+        </p:spPr>
+        <p:txBody>
+          <a:bodyPr/>
+          <a:lstStyle/>
+          <a:p>
+            <a:r>
+              <a:rPr lang="en-GB" sz="6000" dirty="0" smtClean="0"/>
+              <a:t>Thank you for listening</a:t>
+            </a:r>
+            <a:endParaRPr lang="en-GB" sz="6000" dirty="0"/>
+          </a:p>
+        </p:txBody>
+      </p:sp>
+      <p:sp>
+        <p:nvSpPr>
+          <p:cNvPr id="3" name="Subtitle 2"/>
+          <p:cNvSpPr>
+            <a:spLocks noGrp="1"/>
+          </p:cNvSpPr>
+          <p:nvPr>
+            <p:ph type="subTitle" idx="1"/>
+          </p:nvPr>
+        </p:nvSpPr>
+        <p:spPr>
+          <a:xfrm>
+            <a:off x="1154955" y="4554747"/>
+            <a:ext cx="8825658" cy="1084053"/>
+          </a:xfrm>
+        </p:spPr>
+        <p:txBody>
+          <a:bodyPr>
+            <a:normAutofit/>
+          </a:bodyPr>
+          <a:lstStyle/>
+          <a:p>
+            <a:r>
+              <a:rPr lang="en-GB" sz="2800" dirty="0" smtClean="0"/>
+              <a:t>Any </a:t>
+            </a:r>
+            <a:r>
+              <a:rPr lang="en-GB" sz="2400" dirty="0" smtClean="0"/>
+              <a:t>Questions</a:t>
+            </a:r>
+            <a:r>
+              <a:rPr lang="en-GB" sz="2800" dirty="0" smtClean="0"/>
+              <a:t>?</a:t>
+            </a:r>
+            <a:endParaRPr lang="en-GB" sz="2800" dirty="0"/>
+          </a:p>
+        </p:txBody>
+      </p:sp>
+    </p:spTree>
+    <p:extLst>
+      <p:ext uri="{BB962C8B-B14F-4D97-AF65-F5344CB8AC3E}">
+        <p14:creationId xmlns:p14="http://schemas.microsoft.com/office/powerpoint/2010/main" val="3534250130"/>
+      </p:ext>
+    </p:extLst>
+  </p:cSld>
+  <p:clrMapOvr>
+    <a:masterClrMapping/>
+  </p:clrMapOvr>
+</p:sld>
+</file>
+
+<file path=ppt/slides/slide2.xml><?xml version="1.0" encoding="utf-8"?>
+<p:sld xmlns:a="http://schemas.openxmlformats.org/drawingml/2006/main" xmlns:r="http://schemas.openxmlformats.org/officeDocument/2006/relationships" xmlns:p="http://schemas.openxmlformats.org/presentationml/2006/main">
+  <p:cSld>
+    <p:spTree>
+      <p:nvGrpSpPr>
+        <p:cNvPr id="1" name=""/>
+        <p:cNvGrpSpPr/>
+        <p:nvPr/>
+      </p:nvGrpSpPr>
+      <p:grpSpPr>
+        <a:xfrm>
+          <a:off x="0" y="0"/>
+          <a:ext cx="0" cy="0"/>
+          <a:chOff x="0" y="0"/>
+          <a:chExt cx="0" cy="0"/>
+        </a:xfrm>
+      </p:grpSpPr>
+      <p:sp>
+        <p:nvSpPr>
+          <p:cNvPr id="2" name="Title 1"/>
+          <p:cNvSpPr>
+            <a:spLocks noGrp="1"/>
+          </p:cNvSpPr>
+          <p:nvPr>
+            <p:ph type="title"/>
+          </p:nvPr>
+        </p:nvSpPr>
+        <p:spPr/>
+        <p:txBody>
+          <a:bodyPr/>
+          <a:lstStyle/>
+          <a:p>
+            <a:r>
+              <a:rPr lang="en-GB" dirty="0" smtClean="0"/>
+              <a:t>Contents</a:t>
+            </a:r>
+            <a:endParaRPr lang="en-GB" dirty="0"/>
+          </a:p>
+        </p:txBody>
+      </p:sp>
+      <p:sp>
+        <p:nvSpPr>
+          <p:cNvPr id="3" name="Content Placeholder 2"/>
+          <p:cNvSpPr>
+            <a:spLocks noGrp="1"/>
+          </p:cNvSpPr>
+          <p:nvPr>
+            <p:ph idx="1"/>
+          </p:nvPr>
+        </p:nvSpPr>
+        <p:spPr>
+          <a:xfrm>
+            <a:off x="1103312" y="1853248"/>
+            <a:ext cx="8946541" cy="4395151"/>
+          </a:xfrm>
+        </p:spPr>
+        <p:txBody>
+          <a:bodyPr>
+            <a:normAutofit/>
+          </a:bodyPr>
+          <a:lstStyle/>
+          <a:p>
+            <a:r>
+              <a:rPr lang="en-GB" sz="2400" dirty="0"/>
+              <a:t>Introduction</a:t>
+            </a:r>
+          </a:p>
+          <a:p>
+            <a:r>
+              <a:rPr lang="en-GB" sz="2400" dirty="0"/>
+              <a:t>Planning</a:t>
+            </a:r>
+          </a:p>
+          <a:p>
+            <a:pPr lvl="1"/>
+            <a:r>
+              <a:rPr lang="en-GB" sz="2000" dirty="0"/>
+              <a:t>Trello board</a:t>
+            </a:r>
+          </a:p>
+          <a:p>
+            <a:r>
+              <a:rPr lang="en-GB" sz="2400" dirty="0" smtClean="0"/>
+              <a:t>Coding </a:t>
+            </a:r>
+            <a:r>
+              <a:rPr lang="en-GB" sz="2400" dirty="0"/>
+              <a:t>and deployment</a:t>
+            </a:r>
+          </a:p>
+          <a:p>
+            <a:pPr lvl="1"/>
+            <a:r>
+              <a:rPr lang="en-GB" sz="2000" dirty="0"/>
+              <a:t>Tools used</a:t>
+            </a:r>
+          </a:p>
+          <a:p>
+            <a:r>
+              <a:rPr lang="en-GB" sz="2400" dirty="0"/>
+              <a:t>Demonstration</a:t>
+            </a:r>
+          </a:p>
+          <a:p>
+            <a:r>
+              <a:rPr lang="en-GB" sz="2400" dirty="0"/>
+              <a:t>Future goals</a:t>
+            </a:r>
+          </a:p>
+          <a:p>
+            <a:endParaRPr lang="en-GB" dirty="0"/>
+          </a:p>
+        </p:txBody>
+      </p:sp>
+    </p:spTree>
+    <p:extLst>
+      <p:ext uri="{BB962C8B-B14F-4D97-AF65-F5344CB8AC3E}">
+        <p14:creationId xmlns:p14="http://schemas.microsoft.com/office/powerpoint/2010/main" val="3627510348"/>
+      </p:ext>
+    </p:extLst>
+  </p:cSld>
+  <p:clrMapOvr>
+    <a:masterClrMapping/>
+  </p:clrMapOvr>
+</p:sld>
+</file>
+
+<file path=ppt/slides/slide3.xml><?xml version="1.0" encoding="utf-8"?>
+<p:sld xmlns:a="http://schemas.openxmlformats.org/drawingml/2006/main" xmlns:r="http://schemas.openxmlformats.org/officeDocument/2006/relationships" xmlns:p="http://schemas.openxmlformats.org/presentationml/2006/main">
+  <p:cSld>
+    <p:spTree>
+      <p:nvGrpSpPr>
+        <p:cNvPr id="1" name=""/>
+        <p:cNvGrpSpPr/>
+        <p:nvPr/>
+      </p:nvGrpSpPr>
+      <p:grpSpPr>
+        <a:xfrm>
+          <a:off x="0" y="0"/>
+          <a:ext cx="0" cy="0"/>
+          <a:chOff x="0" y="0"/>
+          <a:chExt cx="0" cy="0"/>
+        </a:xfrm>
+      </p:grpSpPr>
+      <p:sp>
+        <p:nvSpPr>
+          <p:cNvPr id="2" name="Title 1"/>
+          <p:cNvSpPr>
+            <a:spLocks noGrp="1"/>
+          </p:cNvSpPr>
+          <p:nvPr>
+            <p:ph type="title"/>
+          </p:nvPr>
+        </p:nvSpPr>
+        <p:spPr/>
+        <p:txBody>
+          <a:bodyPr/>
+          <a:lstStyle/>
+          <a:p>
+            <a:r>
+              <a:rPr lang="en-GB" dirty="0" smtClean="0"/>
+              <a:t>Introduction</a:t>
+            </a:r>
+            <a:endParaRPr lang="en-GB" dirty="0"/>
+          </a:p>
+        </p:txBody>
+      </p:sp>
+      <p:sp>
+        <p:nvSpPr>
+          <p:cNvPr id="3" name="Content Placeholder 2"/>
+          <p:cNvSpPr>
+            <a:spLocks noGrp="1"/>
+          </p:cNvSpPr>
+          <p:nvPr>
+            <p:ph idx="1"/>
+          </p:nvPr>
+        </p:nvSpPr>
+        <p:spPr>
+          <a:xfrm>
+            <a:off x="1103310" y="1853248"/>
+            <a:ext cx="8946541" cy="2674356"/>
+          </a:xfrm>
+        </p:spPr>
+        <p:txBody>
+          <a:bodyPr>
+            <a:normAutofit fontScale="92500" lnSpcReduction="20000"/>
+          </a:bodyPr>
+          <a:lstStyle/>
+          <a:p>
+            <a:pPr>
+              <a:lnSpc>
+                <a:spcPct val="150000"/>
+              </a:lnSpc>
+            </a:pPr>
+            <a:r>
+              <a:rPr lang="en-GB" sz="2400" dirty="0" smtClean="0"/>
+              <a:t>Aims</a:t>
+            </a:r>
+          </a:p>
+          <a:p>
+            <a:pPr lvl="1">
+              <a:lnSpc>
+                <a:spcPct val="150000"/>
+              </a:lnSpc>
+            </a:pPr>
+            <a:r>
+              <a:rPr lang="en-GB" sz="2400" dirty="0" smtClean="0"/>
+              <a:t>Design and create an application with individually containerised </a:t>
+            </a:r>
+            <a:r>
+              <a:rPr lang="en-GB" sz="2400" dirty="0" err="1" smtClean="0"/>
+              <a:t>microservices</a:t>
+            </a:r>
+            <a:endParaRPr lang="en-GB" sz="2400" dirty="0" smtClean="0"/>
+          </a:p>
+          <a:p>
+            <a:pPr lvl="1">
+              <a:lnSpc>
+                <a:spcPct val="150000"/>
+              </a:lnSpc>
+            </a:pPr>
+            <a:r>
+              <a:rPr lang="en-GB" sz="2400" dirty="0" smtClean="0"/>
+              <a:t>Utilise version control system and continuous </a:t>
+            </a:r>
+            <a:r>
+              <a:rPr lang="en-GB" sz="2400" dirty="0" smtClean="0"/>
+              <a:t>deployment</a:t>
+            </a:r>
+          </a:p>
+          <a:p>
+            <a:pPr lvl="1">
+              <a:lnSpc>
+                <a:spcPct val="150000"/>
+              </a:lnSpc>
+            </a:pPr>
+            <a:r>
+              <a:rPr lang="en-GB" sz="2400" dirty="0" smtClean="0"/>
+              <a:t>Ability to set up VMs instantly</a:t>
+            </a:r>
+            <a:endParaRPr lang="en-GB" sz="2400" dirty="0"/>
+          </a:p>
+          <a:p>
+            <a:pPr marL="457200" lvl="1" indent="0">
+              <a:buNone/>
+            </a:pPr>
+            <a:endParaRPr lang="en-GB" dirty="0"/>
+          </a:p>
+        </p:txBody>
+      </p:sp>
+      <p:sp>
+        <p:nvSpPr>
+          <p:cNvPr id="4" name="Content Placeholder 2"/>
+          <p:cNvSpPr txBox="1">
+            <a:spLocks/>
+          </p:cNvSpPr>
+          <p:nvPr/>
+        </p:nvSpPr>
+        <p:spPr>
+          <a:xfrm>
+            <a:off x="1103311" y="3657601"/>
+            <a:ext cx="8946541" cy="1604682"/>
+          </a:xfrm>
+          <a:prstGeom prst="rect">
+            <a:avLst/>
+          </a:prstGeom>
+        </p:spPr>
+        <p:txBody>
+          <a:bodyPr vert="horz" lIns="91440" tIns="45720" rIns="91440" bIns="45720" rtlCol="0">
+            <a:normAutofit/>
+          </a:bodyPr>
+          <a:lstStyle>
+            <a:lvl1pPr marL="342900" indent="-342900" algn="l" defTabSz="457200" rtl="0" eaLnBrk="1" latinLnBrk="0" hangingPunct="1">
+              <a:spcBef>
+                <a:spcPts val="1000"/>
+              </a:spcBef>
+              <a:spcAft>
+                <a:spcPts val="0"/>
+              </a:spcAft>
+              <a:buClr>
+                <a:schemeClr val="accent1">
+                  <a:lumMod val="60000"/>
+                  <a:lumOff val="40000"/>
+                </a:schemeClr>
+              </a:buClr>
+              <a:buSzPct val="80000"/>
+              <a:buFont typeface="Wingdings 3" charset="2"/>
+              <a:buChar char=""/>
+              <a:defRPr sz="2000" b="0" i="0" kern="1200">
+                <a:solidFill>
+                  <a:schemeClr val="tx1"/>
+                </a:solidFill>
+                <a:latin typeface="+mj-lt"/>
+                <a:ea typeface="+mj-ea"/>
+                <a:cs typeface="+mj-cs"/>
+              </a:defRPr>
+            </a:lvl1pPr>
+            <a:lvl2pPr marL="742950" indent="-285750" algn="l" defTabSz="457200" rtl="0" eaLnBrk="1" latinLnBrk="0" hangingPunct="1">
+              <a:spcBef>
+                <a:spcPts val="1000"/>
+              </a:spcBef>
+              <a:spcAft>
+                <a:spcPts val="0"/>
+              </a:spcAft>
+              <a:buClr>
+                <a:schemeClr val="accent1">
+                  <a:lumMod val="60000"/>
+                  <a:lumOff val="40000"/>
+                </a:schemeClr>
+              </a:buClr>
+              <a:buSzPct val="80000"/>
+              <a:buFont typeface="Wingdings 3" charset="2"/>
+              <a:buChar char=""/>
+              <a:defRPr sz="1800" b="0" i="0" kern="1200">
+                <a:solidFill>
+                  <a:schemeClr val="tx1"/>
+                </a:solidFill>
+                <a:latin typeface="+mj-lt"/>
+                <a:ea typeface="+mj-ea"/>
+                <a:cs typeface="+mj-cs"/>
+              </a:defRPr>
+            </a:lvl2pPr>
+            <a:lvl3pPr marL="1143000" indent="-228600" algn="l" defTabSz="457200" rtl="0" eaLnBrk="1" latinLnBrk="0" hangingPunct="1">
+              <a:spcBef>
+                <a:spcPts val="1000"/>
+              </a:spcBef>
+              <a:spcAft>
+                <a:spcPts val="0"/>
+              </a:spcAft>
+              <a:buClr>
+                <a:schemeClr val="accent1">
+                  <a:lumMod val="60000"/>
+                  <a:lumOff val="40000"/>
+                </a:schemeClr>
+              </a:buClr>
+              <a:buSzPct val="80000"/>
+              <a:buFont typeface="Wingdings 3" charset="2"/>
+              <a:buChar char=""/>
+              <a:defRPr sz="1600" b="0" i="0" kern="1200">
+                <a:solidFill>
+                  <a:schemeClr val="tx1"/>
+                </a:solidFill>
+                <a:latin typeface="+mj-lt"/>
+                <a:ea typeface="+mj-ea"/>
+                <a:cs typeface="+mj-cs"/>
+              </a:defRPr>
+            </a:lvl3pPr>
+            <a:lvl4pPr marL="1600200" indent="-228600" algn="l" defTabSz="457200" rtl="0" eaLnBrk="1" latinLnBrk="0" hangingPunct="1">
+              <a:spcBef>
+                <a:spcPts val="1000"/>
+              </a:spcBef>
+              <a:spcAft>
+                <a:spcPts val="0"/>
+              </a:spcAft>
+              <a:buClr>
+                <a:schemeClr val="accent1">
+                  <a:lumMod val="60000"/>
+                  <a:lumOff val="40000"/>
+                </a:schemeClr>
+              </a:buClr>
+              <a:buSzPct val="80000"/>
+              <a:buFont typeface="Wingdings 3" charset="2"/>
+              <a:buChar char=""/>
+              <a:defRPr sz="1400" b="0" i="0" kern="1200">
+                <a:solidFill>
+                  <a:schemeClr val="tx1"/>
+                </a:solidFill>
+                <a:latin typeface="+mj-lt"/>
+                <a:ea typeface="+mj-ea"/>
+                <a:cs typeface="+mj-cs"/>
+              </a:defRPr>
+            </a:lvl4pPr>
+            <a:lvl5pPr marL="2057400" indent="-228600" algn="l" defTabSz="457200" rtl="0" eaLnBrk="1" latinLnBrk="0" hangingPunct="1">
+              <a:spcBef>
+                <a:spcPts val="1000"/>
+              </a:spcBef>
+              <a:spcAft>
+                <a:spcPts val="0"/>
+              </a:spcAft>
+              <a:buClr>
+                <a:schemeClr val="accent1">
+                  <a:lumMod val="60000"/>
+                  <a:lumOff val="40000"/>
+                </a:schemeClr>
+              </a:buClr>
+              <a:buSzPct val="80000"/>
+              <a:buFont typeface="Wingdings 3" charset="2"/>
+              <a:buChar char=""/>
+              <a:defRPr sz="1400" b="0" i="0" kern="1200">
+                <a:solidFill>
+                  <a:schemeClr val="tx1"/>
+                </a:solidFill>
+                <a:latin typeface="+mj-lt"/>
+                <a:ea typeface="+mj-ea"/>
+                <a:cs typeface="+mj-cs"/>
+              </a:defRPr>
+            </a:lvl5pPr>
+            <a:lvl6pPr marL="2514600" indent="-228600" algn="l" defTabSz="457200" rtl="0" eaLnBrk="1" latinLnBrk="0" hangingPunct="1">
+              <a:spcBef>
+                <a:spcPts val="1000"/>
+              </a:spcBef>
+              <a:spcAft>
+                <a:spcPts val="0"/>
+              </a:spcAft>
+              <a:buClr>
+                <a:schemeClr val="accent1">
+                  <a:lumMod val="60000"/>
+                  <a:lumOff val="40000"/>
+                </a:schemeClr>
+              </a:buClr>
+              <a:buSzPct val="80000"/>
+              <a:buFont typeface="Wingdings 3" charset="2"/>
+              <a:buChar char=""/>
+              <a:defRPr sz="1400" b="0" i="0" kern="1200">
+                <a:solidFill>
+                  <a:schemeClr val="tx1"/>
+                </a:solidFill>
+                <a:latin typeface="+mj-lt"/>
+                <a:ea typeface="+mj-ea"/>
+                <a:cs typeface="+mj-cs"/>
+              </a:defRPr>
+            </a:lvl6pPr>
+            <a:lvl7pPr marL="2971800" indent="-228600" algn="l" defTabSz="457200" rtl="0" eaLnBrk="1" latinLnBrk="0" hangingPunct="1">
+              <a:spcBef>
+                <a:spcPts val="1000"/>
+              </a:spcBef>
+              <a:spcAft>
+                <a:spcPts val="0"/>
+              </a:spcAft>
+              <a:buClr>
+                <a:schemeClr val="accent1">
+                  <a:lumMod val="60000"/>
+                  <a:lumOff val="40000"/>
+                </a:schemeClr>
+              </a:buClr>
+              <a:buSzPct val="80000"/>
+              <a:buFont typeface="Wingdings 3" charset="2"/>
+              <a:buChar char=""/>
+              <a:defRPr sz="1400" b="0" i="0" kern="1200">
+                <a:solidFill>
+                  <a:schemeClr val="tx1"/>
+                </a:solidFill>
+                <a:latin typeface="+mj-lt"/>
+                <a:ea typeface="+mj-ea"/>
+                <a:cs typeface="+mj-cs"/>
+              </a:defRPr>
+            </a:lvl7pPr>
+            <a:lvl8pPr marL="3429000" indent="-228600" algn="l" defTabSz="457200" rtl="0" eaLnBrk="1" latinLnBrk="0" hangingPunct="1">
+              <a:spcBef>
+                <a:spcPts val="1000"/>
+              </a:spcBef>
+              <a:spcAft>
+                <a:spcPts val="0"/>
+              </a:spcAft>
+              <a:buClr>
+                <a:schemeClr val="accent1">
+                  <a:lumMod val="60000"/>
+                  <a:lumOff val="40000"/>
+                </a:schemeClr>
+              </a:buClr>
+              <a:buSzPct val="80000"/>
+              <a:buFont typeface="Wingdings 3" charset="2"/>
+              <a:buChar char=""/>
+              <a:defRPr sz="1400" b="0" i="0" kern="1200">
+                <a:solidFill>
+                  <a:schemeClr val="tx1"/>
+                </a:solidFill>
+                <a:latin typeface="+mj-lt"/>
+                <a:ea typeface="+mj-ea"/>
+                <a:cs typeface="+mj-cs"/>
+              </a:defRPr>
+            </a:lvl8pPr>
+            <a:lvl9pPr marL="3886200" indent="-228600" algn="l" defTabSz="457200" rtl="0" eaLnBrk="1" latinLnBrk="0" hangingPunct="1">
+              <a:spcBef>
+                <a:spcPts val="1000"/>
+              </a:spcBef>
+              <a:spcAft>
+                <a:spcPts val="0"/>
+              </a:spcAft>
+              <a:buClr>
+                <a:schemeClr val="accent1">
+                  <a:lumMod val="60000"/>
+                  <a:lumOff val="40000"/>
+                </a:schemeClr>
+              </a:buClr>
+              <a:buSzPct val="80000"/>
+              <a:buFont typeface="Wingdings 3" charset="2"/>
+              <a:buChar char=""/>
+              <a:defRPr sz="1400" b="0" i="0" kern="1200">
+                <a:solidFill>
+                  <a:schemeClr val="tx1"/>
+                </a:solidFill>
+                <a:latin typeface="+mj-lt"/>
+                <a:ea typeface="+mj-ea"/>
+                <a:cs typeface="+mj-cs"/>
+              </a:defRPr>
+            </a:lvl9pPr>
+          </a:lstStyle>
+          <a:p>
+            <a:pPr marL="457200" lvl="1" indent="0">
+              <a:buFont typeface="Wingdings 3" charset="2"/>
+              <a:buNone/>
+            </a:pPr>
+            <a:endParaRPr lang="en-GB" dirty="0"/>
+          </a:p>
+        </p:txBody>
+      </p:sp>
+    </p:spTree>
+    <p:extLst>
+      <p:ext uri="{BB962C8B-B14F-4D97-AF65-F5344CB8AC3E}">
+        <p14:creationId xmlns:p14="http://schemas.microsoft.com/office/powerpoint/2010/main" val="1017913019"/>
+      </p:ext>
+    </p:extLst>
+  </p:cSld>
+  <p:clrMapOvr>
+    <a:masterClrMapping/>
+  </p:clrMapOvr>
+</p:sld>
+</file>
+
+<file path=ppt/slides/slide4.xml><?xml version="1.0" encoding="utf-8"?>
+<p:sld xmlns:a="http://schemas.openxmlformats.org/drawingml/2006/main" xmlns:r="http://schemas.openxmlformats.org/officeDocument/2006/relationships" xmlns:p="http://schemas.openxmlformats.org/presentationml/2006/main">
+  <p:cSld>
+    <p:spTree>
+      <p:nvGrpSpPr>
+        <p:cNvPr id="1" name=""/>
+        <p:cNvGrpSpPr/>
+        <p:nvPr/>
+      </p:nvGrpSpPr>
+      <p:grpSpPr>
+        <a:xfrm>
+          <a:off x="0" y="0"/>
+          <a:ext cx="0" cy="0"/>
+          <a:chOff x="0" y="0"/>
+          <a:chExt cx="0" cy="0"/>
+        </a:xfrm>
+      </p:grpSpPr>
+      <p:sp>
+        <p:nvSpPr>
+          <p:cNvPr id="2" name="Title 1"/>
+          <p:cNvSpPr>
+            <a:spLocks noGrp="1"/>
+          </p:cNvSpPr>
+          <p:nvPr>
+            <p:ph type="title"/>
+          </p:nvPr>
+        </p:nvSpPr>
+        <p:spPr/>
+        <p:txBody>
+          <a:bodyPr/>
+          <a:lstStyle/>
+          <a:p>
+            <a:r>
+              <a:rPr lang="en-GB" dirty="0" smtClean="0"/>
+              <a:t>Planning</a:t>
+            </a:r>
+            <a:endParaRPr lang="en-GB" dirty="0"/>
+          </a:p>
+        </p:txBody>
+      </p:sp>
+      <p:pic>
+        <p:nvPicPr>
+          <p:cNvPr id="4" name="Content Placeholder 3"/>
+          <p:cNvPicPr>
+            <a:picLocks noGrp="1" noChangeAspect="1"/>
+          </p:cNvPicPr>
+          <p:nvPr>
+            <p:ph idx="1"/>
+          </p:nvPr>
+        </p:nvPicPr>
+        <p:blipFill>
+          <a:blip r:embed="rId2">
+            <a:extLst>
+              <a:ext uri="{28A0092B-C50C-407E-A947-70E740481C1C}">
+                <a14:useLocalDpi xmlns:a14="http://schemas.microsoft.com/office/drawing/2010/main" val="0"/>
+              </a:ext>
+            </a:extLst>
+          </a:blip>
+          <a:stretch>
+            <a:fillRect/>
+          </a:stretch>
+        </p:blipFill>
+        <p:spPr>
+          <a:xfrm>
+            <a:off x="1921921" y="1351390"/>
+            <a:ext cx="8128913" cy="5092883"/>
+          </a:xfrm>
+        </p:spPr>
+      </p:pic>
+    </p:spTree>
+    <p:extLst>
+      <p:ext uri="{BB962C8B-B14F-4D97-AF65-F5344CB8AC3E}">
+        <p14:creationId xmlns:p14="http://schemas.microsoft.com/office/powerpoint/2010/main" val="337322379"/>
+      </p:ext>
+    </p:extLst>
+  </p:cSld>
+  <p:clrMapOvr>
+    <a:masterClrMapping/>
+  </p:clrMapOvr>
+</p:sld>
+</file>
+
+<file path=ppt/slides/slide5.xml><?xml version="1.0" encoding="utf-8"?>
+<p:sld xmlns:a="http://schemas.openxmlformats.org/drawingml/2006/main" xmlns:r="http://schemas.openxmlformats.org/officeDocument/2006/relationships" xmlns:p="http://schemas.openxmlformats.org/presentationml/2006/main">
+  <p:cSld>
+    <p:spTree>
+      <p:nvGrpSpPr>
+        <p:cNvPr id="1" name=""/>
+        <p:cNvGrpSpPr/>
+        <p:nvPr/>
+      </p:nvGrpSpPr>
+      <p:grpSpPr>
+        <a:xfrm>
+          <a:off x="0" y="0"/>
+          <a:ext cx="0" cy="0"/>
+          <a:chOff x="0" y="0"/>
+          <a:chExt cx="0" cy="0"/>
+        </a:xfrm>
+      </p:grpSpPr>
+      <p:sp>
+        <p:nvSpPr>
+          <p:cNvPr id="2" name="Title 1"/>
+          <p:cNvSpPr>
+            <a:spLocks noGrp="1"/>
+          </p:cNvSpPr>
+          <p:nvPr>
+            <p:ph type="title"/>
+          </p:nvPr>
+        </p:nvSpPr>
+        <p:spPr/>
+        <p:txBody>
+          <a:bodyPr/>
+          <a:lstStyle/>
+          <a:p>
+            <a:r>
+              <a:rPr lang="en-GB" dirty="0" smtClean="0"/>
+              <a:t>Technologies Used</a:t>
+            </a:r>
+            <a:endParaRPr lang="en-GB" dirty="0"/>
+          </a:p>
+        </p:txBody>
+      </p:sp>
+      <p:sp>
+        <p:nvSpPr>
+          <p:cNvPr id="3" name="Content Placeholder 2"/>
+          <p:cNvSpPr>
+            <a:spLocks noGrp="1"/>
+          </p:cNvSpPr>
+          <p:nvPr>
+            <p:ph idx="1"/>
+          </p:nvPr>
+        </p:nvSpPr>
+        <p:spPr>
+          <a:xfrm>
+            <a:off x="1103312" y="1853248"/>
+            <a:ext cx="8946541" cy="4771839"/>
+          </a:xfrm>
+        </p:spPr>
+        <p:txBody>
+          <a:bodyPr>
+            <a:normAutofit lnSpcReduction="10000"/>
+          </a:bodyPr>
+          <a:lstStyle/>
+          <a:p>
+            <a:r>
+              <a:rPr lang="en-GB" sz="2400" dirty="0"/>
+              <a:t>Google Cloud Platform</a:t>
+            </a:r>
+          </a:p>
+          <a:p>
+            <a:r>
+              <a:rPr lang="en-GB" sz="2400" dirty="0" smtClean="0"/>
+              <a:t>Python </a:t>
+            </a:r>
+            <a:r>
+              <a:rPr lang="en-GB" sz="2400" dirty="0"/>
+              <a:t>– Flask, </a:t>
+            </a:r>
+            <a:r>
+              <a:rPr lang="en-GB" sz="2400" dirty="0" smtClean="0"/>
+              <a:t>Jinja2</a:t>
+            </a:r>
+            <a:endParaRPr lang="en-GB" sz="2400" dirty="0"/>
+          </a:p>
+          <a:p>
+            <a:r>
+              <a:rPr lang="en-GB" sz="2400" dirty="0"/>
+              <a:t>HTML</a:t>
+            </a:r>
+          </a:p>
+          <a:p>
+            <a:r>
+              <a:rPr lang="en-GB" sz="2400" dirty="0" smtClean="0"/>
+              <a:t>Git/GitHub</a:t>
+            </a:r>
+          </a:p>
+          <a:p>
+            <a:r>
+              <a:rPr lang="en-GB" sz="2400" dirty="0" err="1" smtClean="0"/>
+              <a:t>Ansible</a:t>
+            </a:r>
+            <a:endParaRPr lang="en-GB" sz="2400" dirty="0"/>
+          </a:p>
+          <a:p>
+            <a:r>
+              <a:rPr lang="en-GB" sz="2400" dirty="0" smtClean="0"/>
+              <a:t>Jenkins</a:t>
+            </a:r>
+          </a:p>
+          <a:p>
+            <a:r>
+              <a:rPr lang="en-GB" sz="2400" dirty="0" smtClean="0"/>
+              <a:t>NGINX</a:t>
+            </a:r>
+            <a:endParaRPr lang="en-GB" sz="2400" dirty="0"/>
+          </a:p>
+          <a:p>
+            <a:r>
+              <a:rPr lang="en-GB" sz="2400" dirty="0" smtClean="0"/>
+              <a:t>Docker</a:t>
+            </a:r>
+          </a:p>
+          <a:p>
+            <a:r>
+              <a:rPr lang="en-GB" sz="2400" dirty="0" smtClean="0"/>
+              <a:t>Docker Compose</a:t>
+            </a:r>
+          </a:p>
+          <a:p>
+            <a:r>
+              <a:rPr lang="en-GB" sz="2400" dirty="0" smtClean="0"/>
+              <a:t>Docker Swarm</a:t>
+            </a:r>
+            <a:endParaRPr lang="en-GB" sz="2400" dirty="0"/>
+          </a:p>
+          <a:p>
+            <a:endParaRPr lang="en-GB" dirty="0"/>
+          </a:p>
+        </p:txBody>
+      </p:sp>
+    </p:spTree>
+    <p:extLst>
+      <p:ext uri="{BB962C8B-B14F-4D97-AF65-F5344CB8AC3E}">
+        <p14:creationId xmlns:p14="http://schemas.microsoft.com/office/powerpoint/2010/main" val="4088283851"/>
+      </p:ext>
+    </p:extLst>
+  </p:cSld>
+  <p:clrMapOvr>
+    <a:masterClrMapping/>
+  </p:clrMapOvr>
+</p:sld>
+</file>
+
+<file path=ppt/slides/slide6.xml><?xml version="1.0" encoding="utf-8"?>
+<p:sld xmlns:a="http://schemas.openxmlformats.org/drawingml/2006/main" xmlns:r="http://schemas.openxmlformats.org/officeDocument/2006/relationships" xmlns:p="http://schemas.openxmlformats.org/presentationml/2006/main">
+  <p:cSld>
+    <p:spTree>
+      <p:nvGrpSpPr>
+        <p:cNvPr id="1" name=""/>
+        <p:cNvGrpSpPr/>
+        <p:nvPr/>
+      </p:nvGrpSpPr>
+      <p:grpSpPr>
+        <a:xfrm>
+          <a:off x="0" y="0"/>
+          <a:ext cx="0" cy="0"/>
+          <a:chOff x="0" y="0"/>
+          <a:chExt cx="0" cy="0"/>
+        </a:xfrm>
+      </p:grpSpPr>
+      <p:sp>
+        <p:nvSpPr>
+          <p:cNvPr id="2" name="Title 1"/>
+          <p:cNvSpPr>
+            <a:spLocks noGrp="1"/>
+          </p:cNvSpPr>
+          <p:nvPr>
+            <p:ph type="title"/>
+          </p:nvPr>
+        </p:nvSpPr>
+        <p:spPr/>
+        <p:txBody>
+          <a:bodyPr/>
+          <a:lstStyle/>
+          <a:p>
+            <a:r>
+              <a:rPr lang="en-GB" dirty="0" err="1" smtClean="0"/>
+              <a:t>Microservices</a:t>
+            </a:r>
+            <a:endParaRPr lang="en-GB" dirty="0"/>
+          </a:p>
+        </p:txBody>
+      </p:sp>
+      <p:sp>
+        <p:nvSpPr>
+          <p:cNvPr id="3" name="Content Placeholder 2"/>
+          <p:cNvSpPr>
+            <a:spLocks noGrp="1"/>
+          </p:cNvSpPr>
+          <p:nvPr>
+            <p:ph idx="1"/>
+          </p:nvPr>
+        </p:nvSpPr>
+        <p:spPr/>
+        <p:txBody>
+          <a:bodyPr>
+            <a:normAutofit/>
+          </a:bodyPr>
+          <a:lstStyle/>
+          <a:p>
+            <a:pPr>
+              <a:lnSpc>
+                <a:spcPct val="150000"/>
+              </a:lnSpc>
+            </a:pPr>
+            <a:r>
+              <a:rPr lang="en-GB" sz="2400" dirty="0" smtClean="0"/>
+              <a:t>Random character, associated points</a:t>
+            </a:r>
+          </a:p>
+          <a:p>
+            <a:pPr>
+              <a:lnSpc>
+                <a:spcPct val="150000"/>
+              </a:lnSpc>
+            </a:pPr>
+            <a:r>
+              <a:rPr lang="en-GB" sz="2400" dirty="0" smtClean="0"/>
+              <a:t>Random weapon, associated points</a:t>
+            </a:r>
+          </a:p>
+          <a:p>
+            <a:pPr>
+              <a:lnSpc>
+                <a:spcPct val="150000"/>
+              </a:lnSpc>
+            </a:pPr>
+            <a:r>
+              <a:rPr lang="en-GB" sz="2400" dirty="0" smtClean="0"/>
+              <a:t>Combine these into mission and points</a:t>
+            </a:r>
+          </a:p>
+          <a:p>
+            <a:pPr>
+              <a:lnSpc>
+                <a:spcPct val="150000"/>
+              </a:lnSpc>
+            </a:pPr>
+            <a:r>
+              <a:rPr lang="en-GB" sz="2400" dirty="0" smtClean="0"/>
+              <a:t>Deliver this to user</a:t>
+            </a:r>
+          </a:p>
+        </p:txBody>
+      </p:sp>
+    </p:spTree>
+    <p:extLst>
+      <p:ext uri="{BB962C8B-B14F-4D97-AF65-F5344CB8AC3E}">
+        <p14:creationId xmlns:p14="http://schemas.microsoft.com/office/powerpoint/2010/main" val="2618129997"/>
+      </p:ext>
+    </p:extLst>
+  </p:cSld>
+  <p:clrMapOvr>
+    <a:masterClrMapping/>
+  </p:clrMapOvr>
+</p:sld>
+</file>
+
+<file path=ppt/slides/slide7.xml><?xml version="1.0" encoding="utf-8"?>
+<p:sld xmlns:a="http://schemas.openxmlformats.org/drawingml/2006/main" xmlns:r="http://schemas.openxmlformats.org/officeDocument/2006/relationships" xmlns:p="http://schemas.openxmlformats.org/presentationml/2006/main">
+  <p:cSld>
+    <p:spTree>
+      <p:nvGrpSpPr>
+        <p:cNvPr id="1" name=""/>
+        <p:cNvGrpSpPr/>
+        <p:nvPr/>
+      </p:nvGrpSpPr>
+      <p:grpSpPr>
+        <a:xfrm>
+          <a:off x="0" y="0"/>
+          <a:ext cx="0" cy="0"/>
+          <a:chOff x="0" y="0"/>
+          <a:chExt cx="0" cy="0"/>
+        </a:xfrm>
+      </p:grpSpPr>
+      <p:sp>
+        <p:nvSpPr>
+          <p:cNvPr id="2" name="Title 1"/>
+          <p:cNvSpPr>
+            <a:spLocks noGrp="1"/>
+          </p:cNvSpPr>
+          <p:nvPr>
+            <p:ph type="title"/>
+          </p:nvPr>
+        </p:nvSpPr>
+        <p:spPr/>
+        <p:txBody>
+          <a:bodyPr/>
+          <a:lstStyle/>
+          <a:p>
+            <a:r>
+              <a:rPr lang="en-GB" dirty="0" smtClean="0"/>
+              <a:t>Initiation</a:t>
+            </a:r>
+            <a:endParaRPr lang="en-GB" dirty="0"/>
+          </a:p>
+        </p:txBody>
+      </p:sp>
+      <p:sp>
+        <p:nvSpPr>
+          <p:cNvPr id="3" name="Content Placeholder 2"/>
+          <p:cNvSpPr>
+            <a:spLocks noGrp="1"/>
+          </p:cNvSpPr>
+          <p:nvPr>
+            <p:ph idx="1"/>
+          </p:nvPr>
+        </p:nvSpPr>
+        <p:spPr/>
+        <p:txBody>
+          <a:bodyPr>
+            <a:normAutofit/>
+          </a:bodyPr>
+          <a:lstStyle/>
+          <a:p>
+            <a:pPr>
+              <a:lnSpc>
+                <a:spcPct val="150000"/>
+              </a:lnSpc>
+            </a:pPr>
+            <a:r>
+              <a:rPr lang="en-GB" sz="2400" dirty="0" err="1" smtClean="0"/>
+              <a:t>Ansible</a:t>
+            </a:r>
+            <a:r>
+              <a:rPr lang="en-GB" sz="2400" dirty="0" smtClean="0"/>
+              <a:t> used</a:t>
+            </a:r>
+          </a:p>
+          <a:p>
+            <a:pPr lvl="1">
+              <a:lnSpc>
+                <a:spcPct val="150000"/>
+              </a:lnSpc>
+            </a:pPr>
+            <a:r>
+              <a:rPr lang="en-GB" sz="2400" dirty="0" smtClean="0"/>
+              <a:t>Set up VMs with correct installations</a:t>
+            </a:r>
+          </a:p>
+          <a:p>
+            <a:pPr lvl="1">
+              <a:lnSpc>
+                <a:spcPct val="150000"/>
+              </a:lnSpc>
+            </a:pPr>
+            <a:r>
+              <a:rPr lang="en-GB" sz="2400" dirty="0" smtClean="0"/>
+              <a:t>Initialise swarm</a:t>
+            </a:r>
+            <a:endParaRPr lang="en-GB" sz="2400" dirty="0"/>
+          </a:p>
+        </p:txBody>
+      </p:sp>
+    </p:spTree>
+    <p:extLst>
+      <p:ext uri="{BB962C8B-B14F-4D97-AF65-F5344CB8AC3E}">
+        <p14:creationId xmlns:p14="http://schemas.microsoft.com/office/powerpoint/2010/main" val="2684536209"/>
+      </p:ext>
+    </p:extLst>
+  </p:cSld>
+  <p:clrMapOvr>
+    <a:masterClrMapping/>
+  </p:clrMapOvr>
+</p:sld>
+</file>
+
+<file path=ppt/slides/slide8.xml><?xml version="1.0" encoding="utf-8"?>
+<p:sld xmlns:a="http://schemas.openxmlformats.org/drawingml/2006/main" xmlns:r="http://schemas.openxmlformats.org/officeDocument/2006/relationships" xmlns:p="http://schemas.openxmlformats.org/presentationml/2006/main">
+  <p:cSld>
+    <p:spTree>
+      <p:nvGrpSpPr>
+        <p:cNvPr id="1" name=""/>
+        <p:cNvGrpSpPr/>
+        <p:nvPr/>
+      </p:nvGrpSpPr>
+      <p:grpSpPr>
+        <a:xfrm>
+          <a:off x="0" y="0"/>
+          <a:ext cx="0" cy="0"/>
+          <a:chOff x="0" y="0"/>
+          <a:chExt cx="0" cy="0"/>
+        </a:xfrm>
+      </p:grpSpPr>
+      <p:sp>
+        <p:nvSpPr>
+          <p:cNvPr id="2" name="Title 1"/>
+          <p:cNvSpPr>
+            <a:spLocks noGrp="1"/>
+          </p:cNvSpPr>
+          <p:nvPr>
+            <p:ph type="title"/>
+          </p:nvPr>
+        </p:nvSpPr>
+        <p:spPr/>
+        <p:txBody>
+          <a:bodyPr/>
+          <a:lstStyle/>
+          <a:p>
+            <a:r>
+              <a:rPr lang="en-GB" dirty="0" smtClean="0"/>
+              <a:t>Deployment</a:t>
+            </a:r>
+            <a:endParaRPr lang="en-GB" dirty="0"/>
+          </a:p>
+        </p:txBody>
+      </p:sp>
+      <p:sp>
+        <p:nvSpPr>
+          <p:cNvPr id="3" name="Content Placeholder 2"/>
+          <p:cNvSpPr>
+            <a:spLocks noGrp="1"/>
+          </p:cNvSpPr>
+          <p:nvPr>
+            <p:ph idx="1"/>
+          </p:nvPr>
+        </p:nvSpPr>
+        <p:spPr/>
+        <p:txBody>
+          <a:bodyPr>
+            <a:normAutofit/>
+          </a:bodyPr>
+          <a:lstStyle/>
+          <a:p>
+            <a:pPr>
+              <a:lnSpc>
+                <a:spcPct val="150000"/>
+              </a:lnSpc>
+            </a:pPr>
+            <a:r>
+              <a:rPr lang="en-GB" sz="2400" dirty="0" smtClean="0"/>
+              <a:t>GitHub </a:t>
+            </a:r>
+            <a:r>
+              <a:rPr lang="en-GB" sz="2400" dirty="0" err="1" smtClean="0"/>
+              <a:t>webhook</a:t>
+            </a:r>
+            <a:endParaRPr lang="en-GB" sz="2400" dirty="0" smtClean="0"/>
+          </a:p>
+          <a:p>
+            <a:pPr>
+              <a:lnSpc>
+                <a:spcPct val="150000"/>
+              </a:lnSpc>
+            </a:pPr>
+            <a:r>
+              <a:rPr lang="en-GB" sz="2400" dirty="0" smtClean="0"/>
+              <a:t>Jenkins job updates images, updates containers on other </a:t>
+            </a:r>
+            <a:r>
+              <a:rPr lang="en-GB" sz="2400" dirty="0" err="1" smtClean="0"/>
+              <a:t>vm</a:t>
+            </a:r>
+            <a:endParaRPr lang="en-GB" sz="2400" dirty="0" smtClean="0"/>
+          </a:p>
+          <a:p>
+            <a:pPr>
+              <a:lnSpc>
+                <a:spcPct val="150000"/>
+              </a:lnSpc>
+            </a:pPr>
+            <a:r>
+              <a:rPr lang="en-GB" sz="2400" dirty="0" smtClean="0"/>
+              <a:t>Rolling update – multiple replicas</a:t>
+            </a:r>
+            <a:endParaRPr lang="en-GB" sz="2400" dirty="0"/>
+          </a:p>
+        </p:txBody>
+      </p:sp>
+    </p:spTree>
+    <p:extLst>
+      <p:ext uri="{BB962C8B-B14F-4D97-AF65-F5344CB8AC3E}">
+        <p14:creationId xmlns:p14="http://schemas.microsoft.com/office/powerpoint/2010/main" val="1561508336"/>
+      </p:ext>
+    </p:extLst>
+  </p:cSld>
+  <p:clrMapOvr>
+    <a:masterClrMapping/>
+  </p:clrMapOvr>
+</p:sld>
+</file>
+
+<file path=ppt/slides/slide9.xml><?xml version="1.0" encoding="utf-8"?>
+<p:sld xmlns:a="http://schemas.openxmlformats.org/drawingml/2006/main" xmlns:r="http://schemas.openxmlformats.org/officeDocument/2006/relationships" xmlns:p="http://schemas.openxmlformats.org/presentationml/2006/main">
+  <p:cSld>
+    <p:spTree>
+      <p:nvGrpSpPr>
+        <p:cNvPr id="1" name=""/>
+        <p:cNvGrpSpPr/>
+        <p:nvPr/>
+      </p:nvGrpSpPr>
+      <p:grpSpPr>
+        <a:xfrm>
+          <a:off x="0" y="0"/>
+          <a:ext cx="0" cy="0"/>
+          <a:chOff x="0" y="0"/>
+          <a:chExt cx="0" cy="0"/>
+        </a:xfrm>
+      </p:grpSpPr>
+      <p:sp>
+        <p:nvSpPr>
+          <p:cNvPr id="2" name="Title 1"/>
+          <p:cNvSpPr>
+            <a:spLocks noGrp="1"/>
+          </p:cNvSpPr>
+          <p:nvPr>
+            <p:ph type="title"/>
+          </p:nvPr>
+        </p:nvSpPr>
+        <p:spPr/>
+        <p:txBody>
+          <a:bodyPr/>
+          <a:lstStyle/>
+          <a:p>
+            <a:r>
+              <a:rPr lang="en-GB" dirty="0" smtClean="0"/>
+              <a:t>Testing</a:t>
+            </a:r>
+            <a:endParaRPr lang="en-GB" dirty="0"/>
+          </a:p>
+        </p:txBody>
+      </p:sp>
+      <p:sp>
+        <p:nvSpPr>
+          <p:cNvPr id="3" name="Content Placeholder 2"/>
+          <p:cNvSpPr>
+            <a:spLocks noGrp="1"/>
+          </p:cNvSpPr>
+          <p:nvPr>
+            <p:ph idx="1"/>
+          </p:nvPr>
+        </p:nvSpPr>
+        <p:spPr/>
+        <p:txBody>
+          <a:bodyPr/>
+          <a:lstStyle/>
+          <a:p>
+            <a:endParaRPr lang="en-GB"/>
+          </a:p>
+        </p:txBody>
+      </p:sp>
+      <p:pic>
+        <p:nvPicPr>
+          <p:cNvPr id="4" name="Picture 3"/>
+          <p:cNvPicPr>
+            <a:picLocks noChangeAspect="1"/>
+          </p:cNvPicPr>
+          <p:nvPr/>
+        </p:nvPicPr>
+        <p:blipFill rotWithShape="1">
+          <a:blip r:embed="rId2"/>
+          <a:srcRect t="75975" r="52311" b="8805"/>
+          <a:stretch/>
+        </p:blipFill>
+        <p:spPr>
+          <a:xfrm>
+            <a:off x="353682" y="3252157"/>
+            <a:ext cx="11473133" cy="2059718"/>
+          </a:xfrm>
+          <a:prstGeom prst="rect">
+            <a:avLst/>
+          </a:prstGeom>
+        </p:spPr>
+      </p:pic>
+    </p:spTree>
+    <p:extLst>
+      <p:ext uri="{BB962C8B-B14F-4D97-AF65-F5344CB8AC3E}">
+        <p14:creationId xmlns:p14="http://schemas.microsoft.com/office/powerpoint/2010/main" val="2958151500"/>
+      </p:ext>
+    </p:extLst>
+  </p:cSld>
+  <p:clrMapOvr>
+    <a:masterClrMapping/>
+  </p:clrMapOvr>
+</p:sld>
+</file>
+
 <file path=ppt/theme/theme1.xml><?xml version="1.0" encoding="utf-8"?>
 <a:theme xmlns:a="http://schemas.openxmlformats.org/drawingml/2006/main" name="Ion">
   <a:themeElements>

--- a/Documentation/assassinsGuildPresentation.pptx
+++ b/Documentation/assassinsGuildPresentation.pptx
@@ -10,11 +10,11 @@
     <p:sldId id="261" r:id="rId4"/>
     <p:sldId id="263" r:id="rId5"/>
     <p:sldId id="264" r:id="rId6"/>
-    <p:sldId id="265" r:id="rId7"/>
-    <p:sldId id="270" r:id="rId8"/>
-    <p:sldId id="267" r:id="rId9"/>
-    <p:sldId id="262" r:id="rId10"/>
-    <p:sldId id="266" r:id="rId11"/>
+    <p:sldId id="270" r:id="rId7"/>
+    <p:sldId id="266" r:id="rId8"/>
+    <p:sldId id="265" r:id="rId9"/>
+    <p:sldId id="267" r:id="rId10"/>
+    <p:sldId id="262" r:id="rId11"/>
     <p:sldId id="259" r:id="rId12"/>
     <p:sldId id="268" r:id="rId13"/>
     <p:sldId id="269" r:id="rId14"/>
@@ -6201,7 +6201,7 @@
           <a:p>
             <a:r>
               <a:rPr lang="en-GB" dirty="0" smtClean="0"/>
-              <a:t>Live demonstration</a:t>
+              <a:t>Testing</a:t>
             </a:r>
             <a:endParaRPr lang="en-GB" dirty="0"/>
           </a:p>
@@ -6219,43 +6219,40 @@
         </p:nvSpPr>
         <p:spPr/>
         <p:txBody>
-          <a:bodyPr>
-            <a:normAutofit/>
-          </a:bodyPr>
+          <a:bodyPr/>
           <a:lstStyle/>
           <a:p>
-            <a:r>
-              <a:rPr lang="en-GB" sz="2400" dirty="0">
-                <a:hlinkClick r:id="rId2"/>
-              </a:rPr>
-              <a:t>http://34.76.193.128</a:t>
-            </a:r>
-            <a:r>
-              <a:rPr lang="en-GB" sz="2400" dirty="0" smtClean="0">
-                <a:hlinkClick r:id="rId2"/>
-              </a:rPr>
-              <a:t>/</a:t>
-            </a:r>
-            <a:endParaRPr lang="en-GB" sz="2400" dirty="0" smtClean="0"/>
-          </a:p>
-          <a:p>
-            <a:endParaRPr lang="en-GB" sz="2400" dirty="0"/>
-          </a:p>
-          <a:p>
-            <a:r>
-              <a:rPr lang="en-GB" sz="2400" dirty="0">
-                <a:hlinkClick r:id="rId3"/>
-              </a:rPr>
-              <a:t>https://github.com/TheBartThe/assassinsGuild</a:t>
-            </a:r>
-            <a:endParaRPr lang="en-GB" sz="2400" dirty="0"/>
-          </a:p>
-        </p:txBody>
-      </p:sp>
+            <a:endParaRPr lang="en-GB"/>
+          </a:p>
+        </p:txBody>
+      </p:sp>
+      <p:pic>
+        <p:nvPicPr>
+          <p:cNvPr id="4" name="Picture 3"/>
+          <p:cNvPicPr>
+            <a:picLocks noChangeAspect="1"/>
+          </p:cNvPicPr>
+          <p:nvPr/>
+        </p:nvPicPr>
+        <p:blipFill rotWithShape="1">
+          <a:blip r:embed="rId2"/>
+          <a:srcRect t="75975" r="52311" b="8805"/>
+          <a:stretch/>
+        </p:blipFill>
+        <p:spPr>
+          <a:xfrm>
+            <a:off x="353682" y="3252157"/>
+            <a:ext cx="11473133" cy="2059718"/>
+          </a:xfrm>
+          <a:prstGeom prst="rect">
+            <a:avLst/>
+          </a:prstGeom>
+        </p:spPr>
+      </p:pic>
     </p:spTree>
     <p:extLst>
       <p:ext uri="{BB962C8B-B14F-4D97-AF65-F5344CB8AC3E}">
-        <p14:creationId xmlns:p14="http://schemas.microsoft.com/office/powerpoint/2010/main" val="424474695"/>
+        <p14:creationId xmlns:p14="http://schemas.microsoft.com/office/powerpoint/2010/main" val="2958151500"/>
       </p:ext>
     </p:extLst>
   </p:cSld>
@@ -7414,11 +7411,7 @@
             </a:pPr>
             <a:r>
               <a:rPr lang="en-GB" sz="2400" dirty="0" smtClean="0"/>
-              <a:t>Utilise version control system and continuous </a:t>
-            </a:r>
-            <a:r>
-              <a:rPr lang="en-GB" sz="2400" dirty="0" smtClean="0"/>
-              <a:t>deployment</a:t>
+              <a:t>Utilise version control system and continuous deployment</a:t>
             </a:r>
           </a:p>
           <a:p>
@@ -7977,8 +7970,8 @@
           <a:lstStyle/>
           <a:p>
             <a:r>
-              <a:rPr lang="en-GB" dirty="0" err="1" smtClean="0"/>
-              <a:t>Microservices</a:t>
+              <a:rPr lang="en-GB" dirty="0" smtClean="0"/>
+              <a:t>Initiation</a:t>
             </a:r>
             <a:endParaRPr lang="en-GB" dirty="0"/>
           </a:p>
@@ -8007,49 +8000,43 @@
               </a:lnSpc>
             </a:pPr>
             <a:r>
+              <a:rPr lang="en-GB" sz="2400" dirty="0" err="1" smtClean="0"/>
+              <a:t>Ansible</a:t>
+            </a:r>
+            <a:r>
               <a:rPr lang="en-GB" sz="2400" dirty="0" smtClean="0"/>
-              <a:t>Random character, associated points</a:t>
-            </a:r>
-          </a:p>
-          <a:p>
-            <a:pPr>
+              <a:t> used</a:t>
+            </a:r>
+          </a:p>
+          <a:p>
+            <a:pPr lvl="1">
               <a:lnSpc>
                 <a:spcPct val="150000"/>
               </a:lnSpc>
             </a:pPr>
             <a:r>
               <a:rPr lang="en-GB" sz="2400" dirty="0" smtClean="0"/>
-              <a:t>Random weapon, associated points</a:t>
-            </a:r>
-          </a:p>
-          <a:p>
-            <a:pPr>
+              <a:t>Set up VMs with correct installations</a:t>
+            </a:r>
+          </a:p>
+          <a:p>
+            <a:pPr lvl="1">
               <a:lnSpc>
                 <a:spcPct val="150000"/>
               </a:lnSpc>
             </a:pPr>
             <a:r>
               <a:rPr lang="en-GB" sz="2400" dirty="0" smtClean="0"/>
-              <a:t>Combine these into mission and points</a:t>
-            </a:r>
-          </a:p>
-          <a:p>
-            <a:pPr>
-              <a:lnSpc>
-                <a:spcPct val="150000"/>
-              </a:lnSpc>
-            </a:pPr>
-            <a:r>
-              <a:rPr lang="en-GB" sz="2400" dirty="0" smtClean="0"/>
-              <a:t>Deliver this to user</a:t>
-            </a:r>
+              <a:t>Initialise swarm</a:t>
+            </a:r>
+            <a:endParaRPr lang="en-GB" sz="2400" dirty="0"/>
           </a:p>
         </p:txBody>
       </p:sp>
     </p:spTree>
     <p:extLst>
       <p:ext uri="{BB962C8B-B14F-4D97-AF65-F5344CB8AC3E}">
-        <p14:creationId xmlns:p14="http://schemas.microsoft.com/office/powerpoint/2010/main" val="2618129997"/>
+        <p14:creationId xmlns:p14="http://schemas.microsoft.com/office/powerpoint/2010/main" val="2684536209"/>
       </p:ext>
     </p:extLst>
   </p:cSld>
@@ -8093,7 +8080,7 @@
           <a:p>
             <a:r>
               <a:rPr lang="en-GB" dirty="0" smtClean="0"/>
-              <a:t>Initiation</a:t>
+              <a:t>Live demonstration</a:t>
             </a:r>
             <a:endParaRPr lang="en-GB" dirty="0"/>
           </a:p>
@@ -8116,40 +8103,29 @@
           </a:bodyPr>
           <a:lstStyle/>
           <a:p>
-            <a:pPr>
-              <a:lnSpc>
-                <a:spcPct val="150000"/>
-              </a:lnSpc>
-            </a:pPr>
-            <a:r>
-              <a:rPr lang="en-GB" sz="2400" dirty="0" err="1" smtClean="0"/>
-              <a:t>Ansible</a:t>
-            </a:r>
-            <a:r>
-              <a:rPr lang="en-GB" sz="2400" dirty="0" smtClean="0"/>
-              <a:t> used</a:t>
-            </a:r>
-          </a:p>
-          <a:p>
-            <a:pPr lvl="1">
-              <a:lnSpc>
-                <a:spcPct val="150000"/>
-              </a:lnSpc>
-            </a:pPr>
-            <a:r>
-              <a:rPr lang="en-GB" sz="2400" dirty="0" smtClean="0"/>
-              <a:t>Set up VMs with correct installations</a:t>
-            </a:r>
-          </a:p>
-          <a:p>
-            <a:pPr lvl="1">
-              <a:lnSpc>
-                <a:spcPct val="150000"/>
-              </a:lnSpc>
-            </a:pPr>
-            <a:r>
-              <a:rPr lang="en-GB" sz="2400" dirty="0" smtClean="0"/>
-              <a:t>Initialise swarm</a:t>
+            <a:r>
+              <a:rPr lang="en-GB" sz="2400" dirty="0">
+                <a:hlinkClick r:id="rId2"/>
+              </a:rPr>
+              <a:t>http://34.76.193.128</a:t>
+            </a:r>
+            <a:r>
+              <a:rPr lang="en-GB" sz="2400" dirty="0" smtClean="0">
+                <a:hlinkClick r:id="rId2"/>
+              </a:rPr>
+              <a:t>/</a:t>
+            </a:r>
+            <a:endParaRPr lang="en-GB" sz="2400" dirty="0" smtClean="0"/>
+          </a:p>
+          <a:p>
+            <a:endParaRPr lang="en-GB" sz="2400" dirty="0"/>
+          </a:p>
+          <a:p>
+            <a:r>
+              <a:rPr lang="en-GB" sz="2400" dirty="0">
+                <a:hlinkClick r:id="rId3"/>
+              </a:rPr>
+              <a:t>https://github.com/TheBartThe/assassinsGuild</a:t>
             </a:r>
             <a:endParaRPr lang="en-GB" sz="2400" dirty="0"/>
           </a:p>
@@ -8158,7 +8134,7 @@
     </p:spTree>
     <p:extLst>
       <p:ext uri="{BB962C8B-B14F-4D97-AF65-F5344CB8AC3E}">
-        <p14:creationId xmlns:p14="http://schemas.microsoft.com/office/powerpoint/2010/main" val="2684536209"/>
+        <p14:creationId xmlns:p14="http://schemas.microsoft.com/office/powerpoint/2010/main" val="424474695"/>
       </p:ext>
     </p:extLst>
   </p:cSld>
@@ -8201,8 +8177,8 @@
           <a:lstStyle/>
           <a:p>
             <a:r>
-              <a:rPr lang="en-GB" dirty="0" smtClean="0"/>
-              <a:t>Deployment</a:t>
+              <a:rPr lang="en-GB" dirty="0" err="1" smtClean="0"/>
+              <a:t>Microservices</a:t>
             </a:r>
             <a:endParaRPr lang="en-GB" dirty="0"/>
           </a:p>
@@ -8232,13 +8208,8 @@
             </a:pPr>
             <a:r>
               <a:rPr lang="en-GB" sz="2400" dirty="0" smtClean="0"/>
-              <a:t>GitHub </a:t>
-            </a:r>
-            <a:r>
-              <a:rPr lang="en-GB" sz="2400" dirty="0" err="1" smtClean="0"/>
-              <a:t>webhook</a:t>
-            </a:r>
-            <a:endParaRPr lang="en-GB" sz="2400" dirty="0" smtClean="0"/>
+              <a:t>Random character, associated points</a:t>
+            </a:r>
           </a:p>
           <a:p>
             <a:pPr>
@@ -8248,13 +8219,8 @@
             </a:pPr>
             <a:r>
               <a:rPr lang="en-GB" sz="2400" dirty="0" smtClean="0"/>
-              <a:t>Jenkins job updates images, updates containers on other </a:t>
-            </a:r>
-            <a:r>
-              <a:rPr lang="en-GB" sz="2400" dirty="0" err="1" smtClean="0"/>
-              <a:t>vm</a:t>
-            </a:r>
-            <a:endParaRPr lang="en-GB" sz="2400" dirty="0" smtClean="0"/>
+              <a:t>Random weapon, associated points</a:t>
+            </a:r>
           </a:p>
           <a:p>
             <a:pPr>
@@ -8264,16 +8230,26 @@
             </a:pPr>
             <a:r>
               <a:rPr lang="en-GB" sz="2400" dirty="0" smtClean="0"/>
-              <a:t>Rolling update – multiple replicas</a:t>
-            </a:r>
-            <a:endParaRPr lang="en-GB" sz="2400" dirty="0"/>
+              <a:t>Combine these into mission and points</a:t>
+            </a:r>
+          </a:p>
+          <a:p>
+            <a:pPr>
+              <a:lnSpc>
+                <a:spcPct val="150000"/>
+              </a:lnSpc>
+            </a:pPr>
+            <a:r>
+              <a:rPr lang="en-GB" sz="2400" dirty="0" smtClean="0"/>
+              <a:t>Deliver this to user</a:t>
+            </a:r>
           </a:p>
         </p:txBody>
       </p:sp>
     </p:spTree>
     <p:extLst>
       <p:ext uri="{BB962C8B-B14F-4D97-AF65-F5344CB8AC3E}">
-        <p14:creationId xmlns:p14="http://schemas.microsoft.com/office/powerpoint/2010/main" val="1561508336"/>
+        <p14:creationId xmlns:p14="http://schemas.microsoft.com/office/powerpoint/2010/main" val="2618129997"/>
       </p:ext>
     </p:extLst>
   </p:cSld>
@@ -8317,7 +8293,7 @@
           <a:p>
             <a:r>
               <a:rPr lang="en-GB" dirty="0" smtClean="0"/>
-              <a:t>Testing</a:t>
+              <a:t>Deployment</a:t>
             </a:r>
             <a:endParaRPr lang="en-GB" dirty="0"/>
           </a:p>
@@ -8335,40 +8311,60 @@
         </p:nvSpPr>
         <p:spPr/>
         <p:txBody>
-          <a:bodyPr/>
+          <a:bodyPr>
+            <a:normAutofit/>
+          </a:bodyPr>
           <a:lstStyle/>
           <a:p>
-            <a:endParaRPr lang="en-GB"/>
-          </a:p>
-        </p:txBody>
-      </p:sp>
-      <p:pic>
-        <p:nvPicPr>
-          <p:cNvPr id="4" name="Picture 3"/>
-          <p:cNvPicPr>
-            <a:picLocks noChangeAspect="1"/>
-          </p:cNvPicPr>
-          <p:nvPr/>
-        </p:nvPicPr>
-        <p:blipFill rotWithShape="1">
-          <a:blip r:embed="rId2"/>
-          <a:srcRect t="75975" r="52311" b="8805"/>
-          <a:stretch/>
-        </p:blipFill>
-        <p:spPr>
-          <a:xfrm>
-            <a:off x="353682" y="3252157"/>
-            <a:ext cx="11473133" cy="2059718"/>
-          </a:xfrm>
-          <a:prstGeom prst="rect">
-            <a:avLst/>
-          </a:prstGeom>
-        </p:spPr>
-      </p:pic>
+            <a:pPr>
+              <a:lnSpc>
+                <a:spcPct val="150000"/>
+              </a:lnSpc>
+            </a:pPr>
+            <a:r>
+              <a:rPr lang="en-GB" sz="2400" dirty="0" smtClean="0"/>
+              <a:t>GitHub </a:t>
+            </a:r>
+            <a:r>
+              <a:rPr lang="en-GB" sz="2400" dirty="0" err="1" smtClean="0"/>
+              <a:t>webhook</a:t>
+            </a:r>
+            <a:endParaRPr lang="en-GB" sz="2400" dirty="0" smtClean="0"/>
+          </a:p>
+          <a:p>
+            <a:pPr>
+              <a:lnSpc>
+                <a:spcPct val="150000"/>
+              </a:lnSpc>
+            </a:pPr>
+            <a:r>
+              <a:rPr lang="en-GB" sz="2400" dirty="0" smtClean="0"/>
+              <a:t>Jenkins job updates images, updates containers on other </a:t>
+            </a:r>
+            <a:r>
+              <a:rPr lang="en-GB" sz="2400" dirty="0" err="1" smtClean="0"/>
+              <a:t>vm</a:t>
+            </a:r>
+            <a:endParaRPr lang="en-GB" sz="2400" dirty="0" smtClean="0"/>
+          </a:p>
+          <a:p>
+            <a:pPr>
+              <a:lnSpc>
+                <a:spcPct val="150000"/>
+              </a:lnSpc>
+            </a:pPr>
+            <a:r>
+              <a:rPr lang="en-GB" sz="2400" dirty="0" smtClean="0"/>
+              <a:t>Rolling update – multiple replicas</a:t>
+            </a:r>
+            <a:endParaRPr lang="en-GB" sz="2400" dirty="0"/>
+          </a:p>
+        </p:txBody>
+      </p:sp>
     </p:spTree>
     <p:extLst>
       <p:ext uri="{BB962C8B-B14F-4D97-AF65-F5344CB8AC3E}">
-        <p14:creationId xmlns:p14="http://schemas.microsoft.com/office/powerpoint/2010/main" val="2958151500"/>
+        <p14:creationId xmlns:p14="http://schemas.microsoft.com/office/powerpoint/2010/main" val="1561508336"/>
       </p:ext>
     </p:extLst>
   </p:cSld>
